--- a/Slides/09 - Diffusion Models.pptx
+++ b/Slides/09 - Diffusion Models.pptx
@@ -5,23 +5,18 @@
     <p:sldMasterId id="2147483648" r:id="rId4"/>
   </p:sldMasterIdLst>
   <p:notesMasterIdLst>
-    <p:notesMasterId r:id="rId16"/>
+    <p:notesMasterId r:id="rId11"/>
   </p:notesMasterIdLst>
   <p:handoutMasterIdLst>
-    <p:handoutMasterId r:id="rId17"/>
+    <p:handoutMasterId r:id="rId12"/>
   </p:handoutMasterIdLst>
   <p:sldIdLst>
     <p:sldId id="292" r:id="rId5"/>
     <p:sldId id="396" r:id="rId6"/>
     <p:sldId id="451" r:id="rId7"/>
     <p:sldId id="452" r:id="rId8"/>
-    <p:sldId id="461" r:id="rId9"/>
-    <p:sldId id="464" r:id="rId10"/>
-    <p:sldId id="465" r:id="rId11"/>
-    <p:sldId id="456" r:id="rId12"/>
-    <p:sldId id="457" r:id="rId13"/>
-    <p:sldId id="458" r:id="rId14"/>
-    <p:sldId id="289" r:id="rId15"/>
+    <p:sldId id="453" r:id="rId9"/>
+    <p:sldId id="289" r:id="rId10"/>
   </p:sldIdLst>
   <p:sldSz cx="12192000" cy="6858000"/>
   <p:notesSz cx="6858000" cy="9144000"/>
@@ -242,7 +237,7 @@
           <a:p>
             <a:fld id="{8CD26A2A-0A96-0647-84E5-C82F2EFD9474}" type="datetimeFigureOut">
               <a:rPr lang="en-US" smtClean="0"/>
-              <a:t>7/31/2023</a:t>
+              <a:t>7/22/2024</a:t>
             </a:fld>
             <a:endParaRPr lang="en-US" dirty="0"/>
           </a:p>
@@ -419,7 +414,7 @@
           <a:p>
             <a:fld id="{A2B40C3B-E28A-4854-8EDA-E7F8F6F6FFEF}" type="datetimeFigureOut">
               <a:rPr lang="zh-CN" altLang="en-US" smtClean="0"/>
-              <a:t>2023/7/31</a:t>
+              <a:t>2024/7/22</a:t>
             </a:fld>
             <a:endParaRPr lang="zh-CN" altLang="en-US"/>
           </a:p>
@@ -13684,7 +13679,7 @@
           <a:p>
             <a:fld id="{09E5C060-5D66-4E28-B08A-91AD88D733E3}" type="datetime1">
               <a:rPr lang="en-US" smtClean="0"/>
-              <a:t>7/31/2023</a:t>
+              <a:t>7/22/2024</a:t>
             </a:fld>
             <a:endParaRPr lang="en-US"/>
           </a:p>
@@ -22704,7 +22699,7 @@
             </a:br>
             <a:r>
               <a:rPr lang="en-US" sz="2800" dirty="0"/>
-              <a:t>Transformers</a:t>
+              <a:t>Diffusion Models</a:t>
             </a:r>
             <a:endParaRPr lang="en-US" sz="4000" dirty="0"/>
           </a:p>
@@ -22723,7 +22718,7 @@
 </p:sld>
 </file>
 
-<file path=ppt/slides/slide10.xml><?xml version="1.0" encoding="utf-8"?>
+<file path=ppt/slides/slide2.xml><?xml version="1.0" encoding="utf-8"?>
 <p:sld xmlns:a="http://schemas.openxmlformats.org/drawingml/2006/main" xmlns:r="http://schemas.openxmlformats.org/officeDocument/2006/relationships" xmlns:p="http://schemas.openxmlformats.org/presentationml/2006/main">
   <p:cSld>
     <p:spTree>
@@ -22757,59 +22752,100 @@
           <a:p>
             <a:r>
               <a:rPr lang="en-US" dirty="0"/>
-              <a:t>Transformers – Results [5]</a:t>
+              <a:t>Image Generation</a:t>
             </a:r>
           </a:p>
         </p:txBody>
       </p:sp>
-      <p:sp>
-        <p:nvSpPr>
-          <p:cNvPr id="3" name="Content Placeholder 2"/>
-          <p:cNvSpPr>
-            <a:spLocks noGrp="1"/>
-          </p:cNvSpPr>
-          <p:nvPr>
-            <p:ph idx="1"/>
-          </p:nvPr>
-        </p:nvSpPr>
-        <p:spPr>
-          <a:xfrm>
-            <a:off x="838200" y="1825625"/>
-            <a:ext cx="8195268" cy="4351338"/>
-          </a:xfrm>
-        </p:spPr>
-        <p:txBody>
-          <a:bodyPr/>
-          <a:lstStyle/>
-          <a:p>
-            <a:r>
-              <a:rPr lang="en-US" dirty="0"/>
-              <a:t>Compared models against ResNet152 (60 million parameters):</a:t>
-            </a:r>
-          </a:p>
-          <a:p>
-            <a:endParaRPr lang="en-US" dirty="0"/>
-          </a:p>
-          <a:p>
-            <a:endParaRPr lang="en-US" dirty="0"/>
-          </a:p>
-          <a:p>
-            <a:endParaRPr lang="en-US" dirty="0"/>
-          </a:p>
-          <a:p>
-            <a:endParaRPr lang="en-US" dirty="0"/>
-          </a:p>
-          <a:p>
-            <a:r>
-              <a:rPr lang="en-US" dirty="0"/>
-              <a:t>Accuracy of network on ImageNet is 88.55% compared to ResNet152 at 87.54%.</a:t>
-            </a:r>
-          </a:p>
-          <a:p>
-            <a:endParaRPr lang="en-US" dirty="0"/>
-          </a:p>
-        </p:txBody>
-      </p:sp>
+      <mc:AlternateContent xmlns:mc="http://schemas.openxmlformats.org/markup-compatibility/2006">
+        <mc:Choice xmlns:a14="http://schemas.microsoft.com/office/drawing/2010/main" Requires="a14">
+          <p:sp>
+            <p:nvSpPr>
+              <p:cNvPr id="5" name="Content Placeholder 4"/>
+              <p:cNvSpPr>
+                <a:spLocks noGrp="1"/>
+              </p:cNvSpPr>
+              <p:nvPr>
+                <p:ph idx="1"/>
+              </p:nvPr>
+            </p:nvSpPr>
+            <p:spPr>
+              <a:xfrm>
+                <a:off x="838200" y="1612670"/>
+                <a:ext cx="10515600" cy="5038296"/>
+              </a:xfrm>
+            </p:spPr>
+            <p:txBody>
+              <a:bodyPr>
+                <a:normAutofit/>
+              </a:bodyPr>
+              <a:lstStyle/>
+              <a:p>
+                <a:pPr>
+                  <a:lnSpc>
+                    <a:spcPct val="110000"/>
+                  </a:lnSpc>
+                </a:pPr>
+                <a:r>
+                  <a:rPr lang="en-US" sz="2400" dirty="0"/>
+                  <a:t>Stable Diffusion (Prompt </a:t>
+                </a:r>
+                <a14:m>
+                  <m:oMath xmlns:m="http://schemas.openxmlformats.org/officeDocument/2006/math">
+                    <m:r>
+                      <a:rPr lang="en-US" sz="2400" b="0" i="1" smtClean="0">
+                        <a:latin typeface="Cambria Math" panose="02040503050406030204" pitchFamily="18" charset="0"/>
+                      </a:rPr>
+                      <m:t>→</m:t>
+                    </m:r>
+                  </m:oMath>
+                </a14:m>
+                <a:r>
+                  <a:rPr lang="en-US" sz="2400" dirty="0"/>
+                  <a:t> Image)</a:t>
+                </a:r>
+              </a:p>
+            </p:txBody>
+          </p:sp>
+        </mc:Choice>
+        <mc:Fallback>
+          <p:sp>
+            <p:nvSpPr>
+              <p:cNvPr id="5" name="Content Placeholder 4"/>
+              <p:cNvSpPr>
+                <a:spLocks noGrp="1" noRot="1" noChangeAspect="1" noMove="1" noResize="1" noEditPoints="1" noAdjustHandles="1" noChangeArrowheads="1" noChangeShapeType="1" noTextEdit="1"/>
+              </p:cNvSpPr>
+              <p:nvPr>
+                <p:ph idx="1"/>
+              </p:nvPr>
+            </p:nvSpPr>
+            <p:spPr>
+              <a:xfrm>
+                <a:off x="838200" y="1612670"/>
+                <a:ext cx="10515600" cy="5038296"/>
+              </a:xfrm>
+              <a:blipFill>
+                <a:blip r:embed="rId3"/>
+                <a:stretch>
+                  <a:fillRect l="-812" t="-605"/>
+                </a:stretch>
+              </a:blipFill>
+            </p:spPr>
+            <p:txBody>
+              <a:bodyPr/>
+              <a:lstStyle/>
+              <a:p>
+                <a:r>
+                  <a:rPr lang="en-US">
+                    <a:noFill/>
+                  </a:rPr>
+                  <a:t> </a:t>
+                </a:r>
+              </a:p>
+            </p:txBody>
+          </p:sp>
+        </mc:Fallback>
+      </mc:AlternateContent>
       <p:sp>
         <p:nvSpPr>
           <p:cNvPr id="4" name="Slide Number Placeholder 3"/>
@@ -22825,41 +22861,1217 @@
           <a:bodyPr/>
           <a:lstStyle/>
           <a:p>
-            <a:fld id="{17214B29-2612-49B7-BCD5-5B417A3C392C}" type="slidenum">
+            <a:pPr>
+              <a:defRPr/>
+            </a:pPr>
+            <a:fld id="{3FF2C605-4958-CF43-AA48-80339EFDB0AF}" type="slidenum">
               <a:rPr lang="en-US" smtClean="0"/>
-              <a:t>10</a:t>
+              <a:pPr>
+                <a:defRPr/>
+              </a:pPr>
+              <a:t>2</a:t>
             </a:fld>
             <a:endParaRPr lang="en-US"/>
           </a:p>
         </p:txBody>
       </p:sp>
-      <p:pic>
-        <p:nvPicPr>
-          <p:cNvPr id="5" name="Picture 4"/>
-          <p:cNvPicPr>
-            <a:picLocks noChangeAspect="1"/>
-          </p:cNvPicPr>
+      <p:grpSp>
+        <p:nvGrpSpPr>
+          <p:cNvPr id="10" name="Group 9">
+            <a:extLst>
+              <a:ext uri="{FF2B5EF4-FFF2-40B4-BE49-F238E27FC236}">
+                <a16:creationId xmlns:a16="http://schemas.microsoft.com/office/drawing/2014/main" id="{7B333EB8-8DE2-1FFE-472B-029CF478336D}"/>
+              </a:ext>
+            </a:extLst>
+          </p:cNvPr>
+          <p:cNvGrpSpPr/>
           <p:nvPr/>
-        </p:nvPicPr>
-        <p:blipFill>
-          <a:blip r:embed="rId2"/>
-          <a:stretch>
-            <a:fillRect/>
-          </a:stretch>
-        </p:blipFill>
+        </p:nvGrpSpPr>
+        <p:grpSpPr>
+          <a:xfrm>
+            <a:off x="996614" y="2303666"/>
+            <a:ext cx="3734321" cy="3734321"/>
+            <a:chOff x="7768959" y="1511009"/>
+            <a:chExt cx="3734321" cy="3734321"/>
+          </a:xfrm>
+        </p:grpSpPr>
+        <p:pic>
+          <p:nvPicPr>
+            <p:cNvPr id="6" name="Picture 5">
+              <a:extLst>
+                <a:ext uri="{FF2B5EF4-FFF2-40B4-BE49-F238E27FC236}">
+                  <a16:creationId xmlns:a16="http://schemas.microsoft.com/office/drawing/2014/main" id="{39E65F6D-CC57-2E97-0AEA-6D8C96D43416}"/>
+                </a:ext>
+              </a:extLst>
+            </p:cNvPr>
+            <p:cNvPicPr>
+              <a:picLocks noChangeAspect="1"/>
+            </p:cNvPicPr>
+            <p:nvPr/>
+          </p:nvPicPr>
+          <p:blipFill>
+            <a:blip r:embed="rId4"/>
+            <a:stretch>
+              <a:fillRect/>
+            </a:stretch>
+          </p:blipFill>
+          <p:spPr>
+            <a:xfrm>
+              <a:off x="7768959" y="1511009"/>
+              <a:ext cx="3734321" cy="3734321"/>
+            </a:xfrm>
+            <a:prstGeom prst="rect">
+              <a:avLst/>
+            </a:prstGeom>
+          </p:spPr>
+        </p:pic>
+        <p:sp>
+          <p:nvSpPr>
+            <p:cNvPr id="7" name="TextBox 6">
+              <a:extLst>
+                <a:ext uri="{FF2B5EF4-FFF2-40B4-BE49-F238E27FC236}">
+                  <a16:creationId xmlns:a16="http://schemas.microsoft.com/office/drawing/2014/main" id="{9BAB215A-97CA-E44D-59B0-7A91E9BC86A6}"/>
+                </a:ext>
+              </a:extLst>
+            </p:cNvPr>
+            <p:cNvSpPr txBox="1"/>
+            <p:nvPr/>
+          </p:nvSpPr>
+          <p:spPr>
+            <a:xfrm>
+              <a:off x="7922349" y="4829696"/>
+              <a:ext cx="3427540" cy="338554"/>
+            </a:xfrm>
+            <a:prstGeom prst="rect">
+              <a:avLst/>
+            </a:prstGeom>
+            <a:solidFill>
+              <a:srgbClr val="000000">
+                <a:alpha val="50196"/>
+              </a:srgbClr>
+            </a:solidFill>
+          </p:spPr>
+          <p:txBody>
+            <a:bodyPr wrap="none" rtlCol="0">
+              <a:spAutoFit/>
+            </a:bodyPr>
+            <a:lstStyle/>
+            <a:p>
+              <a:pPr marL="0" indent="0" algn="ctr">
+                <a:lnSpc>
+                  <a:spcPct val="100000"/>
+                </a:lnSpc>
+                <a:spcBef>
+                  <a:spcPts val="0"/>
+                </a:spcBef>
+                <a:buFontTx/>
+                <a:buNone/>
+              </a:pPr>
+              <a:r>
+                <a:rPr lang="en-US" sz="1600" dirty="0">
+                  <a:solidFill>
+                    <a:prstClr val="white"/>
+                  </a:solidFill>
+                  <a:latin typeface="Posterama" panose="020B0504020200020000" pitchFamily="34" charset="0"/>
+                  <a:ea typeface="微软雅黑"/>
+                  <a:cs typeface="Posterama" panose="020B0504020200020000" pitchFamily="34" charset="0"/>
+                </a:rPr>
+                <a:t>Beautiful Cyborg with Brown Hair </a:t>
+              </a:r>
+            </a:p>
+          </p:txBody>
+        </p:sp>
+      </p:grpSp>
+      <p:grpSp>
+        <p:nvGrpSpPr>
+          <p:cNvPr id="12" name="Group 11">
+            <a:extLst>
+              <a:ext uri="{FF2B5EF4-FFF2-40B4-BE49-F238E27FC236}">
+                <a16:creationId xmlns:a16="http://schemas.microsoft.com/office/drawing/2014/main" id="{162A2F77-A1E1-EC3F-B4FE-2A5D969289AC}"/>
+              </a:ext>
+            </a:extLst>
+          </p:cNvPr>
+          <p:cNvGrpSpPr/>
+          <p:nvPr/>
+        </p:nvGrpSpPr>
+        <p:grpSpPr>
+          <a:xfrm>
+            <a:off x="7908756" y="813061"/>
+            <a:ext cx="3781953" cy="5439534"/>
+            <a:chOff x="7908756" y="813061"/>
+            <a:chExt cx="3781953" cy="5439534"/>
+          </a:xfrm>
+        </p:grpSpPr>
+        <p:pic>
+          <p:nvPicPr>
+            <p:cNvPr id="9" name="Picture 8">
+              <a:extLst>
+                <a:ext uri="{FF2B5EF4-FFF2-40B4-BE49-F238E27FC236}">
+                  <a16:creationId xmlns:a16="http://schemas.microsoft.com/office/drawing/2014/main" id="{F1AA0E37-FB73-759C-A746-4E48146FFCA5}"/>
+                </a:ext>
+              </a:extLst>
+            </p:cNvPr>
+            <p:cNvPicPr>
+              <a:picLocks noChangeAspect="1"/>
+            </p:cNvPicPr>
+            <p:nvPr/>
+          </p:nvPicPr>
+          <p:blipFill>
+            <a:blip r:embed="rId5"/>
+            <a:stretch>
+              <a:fillRect/>
+            </a:stretch>
+          </p:blipFill>
+          <p:spPr>
+            <a:xfrm>
+              <a:off x="7908756" y="813061"/>
+              <a:ext cx="3781953" cy="5439534"/>
+            </a:xfrm>
+            <a:prstGeom prst="rect">
+              <a:avLst/>
+            </a:prstGeom>
+          </p:spPr>
+        </p:pic>
+        <p:sp>
+          <p:nvSpPr>
+            <p:cNvPr id="11" name="TextBox 10">
+              <a:extLst>
+                <a:ext uri="{FF2B5EF4-FFF2-40B4-BE49-F238E27FC236}">
+                  <a16:creationId xmlns:a16="http://schemas.microsoft.com/office/drawing/2014/main" id="{42BDB344-02A6-CA39-F37B-712D177F89BB}"/>
+                </a:ext>
+              </a:extLst>
+            </p:cNvPr>
+            <p:cNvSpPr txBox="1"/>
+            <p:nvPr/>
+          </p:nvSpPr>
+          <p:spPr>
+            <a:xfrm>
+              <a:off x="8094164" y="5791630"/>
+              <a:ext cx="1383713" cy="338554"/>
+            </a:xfrm>
+            <a:prstGeom prst="rect">
+              <a:avLst/>
+            </a:prstGeom>
+            <a:solidFill>
+              <a:srgbClr val="000000">
+                <a:alpha val="50196"/>
+              </a:srgbClr>
+            </a:solidFill>
+          </p:spPr>
+          <p:txBody>
+            <a:bodyPr wrap="none" rtlCol="0">
+              <a:spAutoFit/>
+            </a:bodyPr>
+            <a:lstStyle/>
+            <a:p>
+              <a:pPr marL="0" indent="0" algn="ctr">
+                <a:lnSpc>
+                  <a:spcPct val="100000"/>
+                </a:lnSpc>
+                <a:spcBef>
+                  <a:spcPts val="0"/>
+                </a:spcBef>
+                <a:buFontTx/>
+                <a:buNone/>
+              </a:pPr>
+              <a:r>
+                <a:rPr lang="en-US" sz="1600" dirty="0">
+                  <a:solidFill>
+                    <a:prstClr val="white"/>
+                  </a:solidFill>
+                  <a:latin typeface="Posterama" panose="020B0504020200020000" pitchFamily="34" charset="0"/>
+                  <a:ea typeface="微软雅黑"/>
+                  <a:cs typeface="Posterama" panose="020B0504020200020000" pitchFamily="34" charset="0"/>
+                </a:rPr>
+                <a:t>Eco-Friendly</a:t>
+              </a:r>
+            </a:p>
+          </p:txBody>
+        </p:sp>
+      </p:grpSp>
+      <p:grpSp>
+        <p:nvGrpSpPr>
+          <p:cNvPr id="16" name="Group 15">
+            <a:extLst>
+              <a:ext uri="{FF2B5EF4-FFF2-40B4-BE49-F238E27FC236}">
+                <a16:creationId xmlns:a16="http://schemas.microsoft.com/office/drawing/2014/main" id="{417A1FD5-B20C-F799-634F-3D0EF0674E4A}"/>
+              </a:ext>
+            </a:extLst>
+          </p:cNvPr>
+          <p:cNvGrpSpPr/>
+          <p:nvPr/>
+        </p:nvGrpSpPr>
+        <p:grpSpPr>
+          <a:xfrm>
+            <a:off x="4698969" y="2154724"/>
+            <a:ext cx="3241754" cy="4056306"/>
+            <a:chOff x="4698969" y="2154724"/>
+            <a:chExt cx="3241754" cy="4056306"/>
+          </a:xfrm>
+        </p:grpSpPr>
+        <p:pic>
+          <p:nvPicPr>
+            <p:cNvPr id="14" name="Picture 13">
+              <a:extLst>
+                <a:ext uri="{FF2B5EF4-FFF2-40B4-BE49-F238E27FC236}">
+                  <a16:creationId xmlns:a16="http://schemas.microsoft.com/office/drawing/2014/main" id="{94584B97-5675-A448-640B-AE77F1D9EF0F}"/>
+                </a:ext>
+              </a:extLst>
+            </p:cNvPr>
+            <p:cNvPicPr>
+              <a:picLocks noChangeAspect="1"/>
+            </p:cNvPicPr>
+            <p:nvPr/>
+          </p:nvPicPr>
+          <p:blipFill>
+            <a:blip r:embed="rId6"/>
+            <a:stretch>
+              <a:fillRect/>
+            </a:stretch>
+          </p:blipFill>
+          <p:spPr>
+            <a:xfrm>
+              <a:off x="4698969" y="2154724"/>
+              <a:ext cx="3241754" cy="4056306"/>
+            </a:xfrm>
+            <a:prstGeom prst="rect">
+              <a:avLst/>
+            </a:prstGeom>
+          </p:spPr>
+        </p:pic>
+        <p:sp>
+          <p:nvSpPr>
+            <p:cNvPr id="15" name="TextBox 14">
+              <a:extLst>
+                <a:ext uri="{FF2B5EF4-FFF2-40B4-BE49-F238E27FC236}">
+                  <a16:creationId xmlns:a16="http://schemas.microsoft.com/office/drawing/2014/main" id="{2952E545-5D15-4263-B5F6-E532F4F0FDBF}"/>
+                </a:ext>
+              </a:extLst>
+            </p:cNvPr>
+            <p:cNvSpPr txBox="1"/>
+            <p:nvPr/>
+          </p:nvSpPr>
+          <p:spPr>
+            <a:xfrm>
+              <a:off x="4852360" y="5723982"/>
+              <a:ext cx="1745992" cy="338554"/>
+            </a:xfrm>
+            <a:prstGeom prst="rect">
+              <a:avLst/>
+            </a:prstGeom>
+            <a:solidFill>
+              <a:srgbClr val="000000">
+                <a:alpha val="50196"/>
+              </a:srgbClr>
+            </a:solidFill>
+          </p:spPr>
+          <p:txBody>
+            <a:bodyPr wrap="none" rtlCol="0">
+              <a:spAutoFit/>
+            </a:bodyPr>
+            <a:lstStyle/>
+            <a:p>
+              <a:pPr marL="0" indent="0" algn="ctr">
+                <a:lnSpc>
+                  <a:spcPct val="100000"/>
+                </a:lnSpc>
+                <a:spcBef>
+                  <a:spcPts val="0"/>
+                </a:spcBef>
+                <a:buFontTx/>
+                <a:buNone/>
+              </a:pPr>
+              <a:r>
+                <a:rPr lang="en-US" sz="1600" dirty="0">
+                  <a:solidFill>
+                    <a:prstClr val="white"/>
+                  </a:solidFill>
+                  <a:latin typeface="Posterama" panose="020B0504020200020000" pitchFamily="34" charset="0"/>
+                  <a:ea typeface="微软雅黑"/>
+                  <a:cs typeface="Posterama" panose="020B0504020200020000" pitchFamily="34" charset="0"/>
+                </a:rPr>
+                <a:t>Japanese Ramen</a:t>
+              </a:r>
+            </a:p>
+          </p:txBody>
+        </p:sp>
+      </p:grpSp>
+    </p:spTree>
+    <p:extLst>
+      <p:ext uri="{BB962C8B-B14F-4D97-AF65-F5344CB8AC3E}">
+        <p14:creationId xmlns:p14="http://schemas.microsoft.com/office/powerpoint/2010/main" val="3288624539"/>
+      </p:ext>
+    </p:extLst>
+  </p:cSld>
+  <p:clrMapOvr>
+    <a:masterClrMapping/>
+  </p:clrMapOvr>
+</p:sld>
+</file>
+
+<file path=ppt/slides/slide3.xml><?xml version="1.0" encoding="utf-8"?>
+<p:sld xmlns:a="http://schemas.openxmlformats.org/drawingml/2006/main" xmlns:r="http://schemas.openxmlformats.org/officeDocument/2006/relationships" xmlns:p="http://schemas.openxmlformats.org/presentationml/2006/main">
+  <p:cSld>
+    <p:spTree>
+      <p:nvGrpSpPr>
+        <p:cNvPr id="1" name=""/>
+        <p:cNvGrpSpPr/>
+        <p:nvPr/>
+      </p:nvGrpSpPr>
+      <p:grpSpPr>
+        <a:xfrm>
+          <a:off x="0" y="0"/>
+          <a:ext cx="0" cy="0"/>
+          <a:chOff x="0" y="0"/>
+          <a:chExt cx="0" cy="0"/>
+        </a:xfrm>
+      </p:grpSpPr>
+      <p:sp>
+        <p:nvSpPr>
+          <p:cNvPr id="2" name="Title 1">
+            <a:extLst>
+              <a:ext uri="{FF2B5EF4-FFF2-40B4-BE49-F238E27FC236}">
+                <a16:creationId xmlns:a16="http://schemas.microsoft.com/office/drawing/2014/main" id="{2EA46EF3-58CC-4A53-B793-C9F77107E807}"/>
+              </a:ext>
+            </a:extLst>
+          </p:cNvPr>
+          <p:cNvSpPr>
+            <a:spLocks noGrp="1"/>
+          </p:cNvSpPr>
+          <p:nvPr>
+            <p:ph type="title"/>
+          </p:nvPr>
+        </p:nvSpPr>
+        <p:spPr/>
+        <p:txBody>
+          <a:bodyPr/>
+          <a:lstStyle/>
+          <a:p>
+            <a:r>
+              <a:rPr lang="en-US" dirty="0"/>
+              <a:t>Diffusion Model*</a:t>
+            </a:r>
+          </a:p>
+        </p:txBody>
+      </p:sp>
+      <mc:AlternateContent xmlns:mc="http://schemas.openxmlformats.org/markup-compatibility/2006">
+        <mc:Choice xmlns:a14="http://schemas.microsoft.com/office/drawing/2010/main" Requires="a14">
+          <p:sp>
+            <p:nvSpPr>
+              <p:cNvPr id="8" name="Chart Placeholder 7">
+                <a:extLst>
+                  <a:ext uri="{FF2B5EF4-FFF2-40B4-BE49-F238E27FC236}">
+                    <a16:creationId xmlns:a16="http://schemas.microsoft.com/office/drawing/2014/main" id="{D3B27195-7CD6-7A6B-38B7-E6DC2E0B857F}"/>
+                  </a:ext>
+                </a:extLst>
+              </p:cNvPr>
+              <p:cNvSpPr>
+                <a:spLocks noGrp="1"/>
+              </p:cNvSpPr>
+              <p:nvPr>
+                <p:ph type="chart" sz="quarter" idx="27"/>
+              </p:nvPr>
+            </p:nvSpPr>
+            <p:spPr/>
+            <p:txBody>
+              <a:bodyPr/>
+              <a:lstStyle/>
+              <a:p>
+                <a:r>
+                  <a:rPr lang="en-US" dirty="0"/>
+                  <a:t>The basic diffusion models aims to generate photorealistic models from noise.</a:t>
+                </a:r>
+              </a:p>
+              <a:p>
+                <a:r>
+                  <a:rPr lang="en-US" dirty="0"/>
+                  <a:t>This is done by learning a stochastic process in which noise is added gradually.</a:t>
+                </a:r>
+              </a:p>
+              <a:p>
+                <a:endParaRPr lang="en-US" dirty="0"/>
+              </a:p>
+              <a:p>
+                <a:endParaRPr lang="en-US" dirty="0"/>
+              </a:p>
+              <a:p>
+                <a:endParaRPr lang="en-US" dirty="0"/>
+              </a:p>
+              <a:p>
+                <a:endParaRPr lang="en-US" sz="4000" dirty="0"/>
+              </a:p>
+              <a:p>
+                <a:r>
+                  <a:rPr lang="en-US" dirty="0"/>
+                  <a:t>The </a:t>
+                </a:r>
+                <a:r>
+                  <a:rPr lang="en-US" b="1" dirty="0"/>
+                  <a:t>forward</a:t>
+                </a:r>
+                <a:r>
+                  <a:rPr lang="en-US" dirty="0"/>
+                  <a:t> process follows </a:t>
+                </a:r>
+                <a14:m>
+                  <m:oMath xmlns:m="http://schemas.openxmlformats.org/officeDocument/2006/math">
+                    <m:r>
+                      <a:rPr lang="en-US" b="0" i="1" smtClean="0">
+                        <a:latin typeface="Cambria Math" panose="02040503050406030204" pitchFamily="18" charset="0"/>
+                      </a:rPr>
+                      <m:t>𝑞</m:t>
+                    </m:r>
+                    <m:d>
+                      <m:dPr>
+                        <m:ctrlPr>
+                          <a:rPr lang="en-US" b="0" i="1" smtClean="0">
+                            <a:latin typeface="Cambria Math" panose="02040503050406030204" pitchFamily="18" charset="0"/>
+                          </a:rPr>
+                        </m:ctrlPr>
+                      </m:dPr>
+                      <m:e>
+                        <m:sSub>
+                          <m:sSubPr>
+                            <m:ctrlPr>
+                              <a:rPr lang="en-US" b="0" i="1" smtClean="0">
+                                <a:latin typeface="Cambria Math" panose="02040503050406030204" pitchFamily="18" charset="0"/>
+                              </a:rPr>
+                            </m:ctrlPr>
+                          </m:sSubPr>
+                          <m:e>
+                            <m:r>
+                              <a:rPr lang="en-US" b="0" i="1" smtClean="0">
+                                <a:latin typeface="Cambria Math" panose="02040503050406030204" pitchFamily="18" charset="0"/>
+                              </a:rPr>
+                              <m:t>𝑥</m:t>
+                            </m:r>
+                          </m:e>
+                          <m:sub>
+                            <m:r>
+                              <a:rPr lang="en-US" b="0" i="1" smtClean="0">
+                                <a:latin typeface="Cambria Math" panose="02040503050406030204" pitchFamily="18" charset="0"/>
+                              </a:rPr>
+                              <m:t>𝑡</m:t>
+                            </m:r>
+                          </m:sub>
+                        </m:sSub>
+                      </m:e>
+                      <m:e>
+                        <m:sSub>
+                          <m:sSubPr>
+                            <m:ctrlPr>
+                              <a:rPr lang="en-US" b="0" i="1" smtClean="0">
+                                <a:latin typeface="Cambria Math" panose="02040503050406030204" pitchFamily="18" charset="0"/>
+                              </a:rPr>
+                            </m:ctrlPr>
+                          </m:sSubPr>
+                          <m:e>
+                            <m:r>
+                              <a:rPr lang="en-US" b="0" i="1" smtClean="0">
+                                <a:latin typeface="Cambria Math" panose="02040503050406030204" pitchFamily="18" charset="0"/>
+                              </a:rPr>
+                              <m:t>𝑥</m:t>
+                            </m:r>
+                          </m:e>
+                          <m:sub>
+                            <m:r>
+                              <a:rPr lang="en-US" b="0" i="1" smtClean="0">
+                                <a:latin typeface="Cambria Math" panose="02040503050406030204" pitchFamily="18" charset="0"/>
+                              </a:rPr>
+                              <m:t>𝑡</m:t>
+                            </m:r>
+                            <m:r>
+                              <a:rPr lang="en-US" b="0" i="1" smtClean="0">
+                                <a:latin typeface="Cambria Math" panose="02040503050406030204" pitchFamily="18" charset="0"/>
+                              </a:rPr>
+                              <m:t>−1</m:t>
+                            </m:r>
+                          </m:sub>
+                        </m:sSub>
+                      </m:e>
+                    </m:d>
+                    <m:r>
+                      <a:rPr lang="en-US" b="0" i="1" smtClean="0">
+                        <a:latin typeface="Cambria Math" panose="02040503050406030204" pitchFamily="18" charset="0"/>
+                      </a:rPr>
+                      <m:t>=</m:t>
+                    </m:r>
+                    <m:r>
+                      <a:rPr lang="en-US" b="0" i="1" smtClean="0">
+                        <a:latin typeface="Cambria Math" panose="02040503050406030204" pitchFamily="18" charset="0"/>
+                      </a:rPr>
+                      <m:t>𝑁</m:t>
+                    </m:r>
+                    <m:d>
+                      <m:dPr>
+                        <m:ctrlPr>
+                          <a:rPr lang="en-US" b="0" i="1" smtClean="0">
+                            <a:latin typeface="Cambria Math" panose="02040503050406030204" pitchFamily="18" charset="0"/>
+                          </a:rPr>
+                        </m:ctrlPr>
+                      </m:dPr>
+                      <m:e>
+                        <m:sSub>
+                          <m:sSubPr>
+                            <m:ctrlPr>
+                              <a:rPr lang="en-US" b="0" i="1" smtClean="0">
+                                <a:latin typeface="Cambria Math" panose="02040503050406030204" pitchFamily="18" charset="0"/>
+                              </a:rPr>
+                            </m:ctrlPr>
+                          </m:sSubPr>
+                          <m:e>
+                            <m:r>
+                              <a:rPr lang="en-US" b="0" i="1" smtClean="0">
+                                <a:latin typeface="Cambria Math" panose="02040503050406030204" pitchFamily="18" charset="0"/>
+                              </a:rPr>
+                              <m:t>𝑥</m:t>
+                            </m:r>
+                          </m:e>
+                          <m:sub>
+                            <m:r>
+                              <a:rPr lang="en-US" b="0" i="1" smtClean="0">
+                                <a:latin typeface="Cambria Math" panose="02040503050406030204" pitchFamily="18" charset="0"/>
+                              </a:rPr>
+                              <m:t>𝑡</m:t>
+                            </m:r>
+                          </m:sub>
+                        </m:sSub>
+                        <m:r>
+                          <a:rPr lang="en-US" b="0" i="1" smtClean="0">
+                            <a:latin typeface="Cambria Math" panose="02040503050406030204" pitchFamily="18" charset="0"/>
+                          </a:rPr>
+                          <m:t>;</m:t>
+                        </m:r>
+                        <m:rad>
+                          <m:radPr>
+                            <m:degHide m:val="on"/>
+                            <m:ctrlPr>
+                              <a:rPr lang="en-US" b="0" i="1" smtClean="0">
+                                <a:latin typeface="Cambria Math" panose="02040503050406030204" pitchFamily="18" charset="0"/>
+                              </a:rPr>
+                            </m:ctrlPr>
+                          </m:radPr>
+                          <m:deg/>
+                          <m:e>
+                            <m:r>
+                              <a:rPr lang="en-US" b="0" i="1" smtClean="0">
+                                <a:latin typeface="Cambria Math" panose="02040503050406030204" pitchFamily="18" charset="0"/>
+                              </a:rPr>
+                              <m:t>1−</m:t>
+                            </m:r>
+                            <m:sSub>
+                              <m:sSubPr>
+                                <m:ctrlPr>
+                                  <a:rPr lang="en-US" b="0" i="1" smtClean="0">
+                                    <a:latin typeface="Cambria Math" panose="02040503050406030204" pitchFamily="18" charset="0"/>
+                                  </a:rPr>
+                                </m:ctrlPr>
+                              </m:sSubPr>
+                              <m:e>
+                                <m:r>
+                                  <a:rPr lang="en-US" b="0" i="1" smtClean="0">
+                                    <a:latin typeface="Cambria Math" panose="02040503050406030204" pitchFamily="18" charset="0"/>
+                                  </a:rPr>
+                                  <m:t>𝛽</m:t>
+                                </m:r>
+                              </m:e>
+                              <m:sub>
+                                <m:r>
+                                  <a:rPr lang="en-US" b="0" i="1" smtClean="0">
+                                    <a:latin typeface="Cambria Math" panose="02040503050406030204" pitchFamily="18" charset="0"/>
+                                  </a:rPr>
+                                  <m:t>𝑡</m:t>
+                                </m:r>
+                              </m:sub>
+                            </m:sSub>
+                          </m:e>
+                        </m:rad>
+                        <m:r>
+                          <a:rPr lang="en-US" b="0" i="1" smtClean="0">
+                            <a:latin typeface="Cambria Math" panose="02040503050406030204" pitchFamily="18" charset="0"/>
+                          </a:rPr>
+                          <m:t>⋅</m:t>
+                        </m:r>
+                        <m:sSub>
+                          <m:sSubPr>
+                            <m:ctrlPr>
+                              <a:rPr lang="en-US" b="0" i="1" smtClean="0">
+                                <a:latin typeface="Cambria Math" panose="02040503050406030204" pitchFamily="18" charset="0"/>
+                              </a:rPr>
+                            </m:ctrlPr>
+                          </m:sSubPr>
+                          <m:e>
+                            <m:r>
+                              <a:rPr lang="en-US" b="0" i="1" smtClean="0">
+                                <a:latin typeface="Cambria Math" panose="02040503050406030204" pitchFamily="18" charset="0"/>
+                              </a:rPr>
+                              <m:t>𝑥</m:t>
+                            </m:r>
+                          </m:e>
+                          <m:sub>
+                            <m:r>
+                              <a:rPr lang="en-US" b="0" i="1" smtClean="0">
+                                <a:latin typeface="Cambria Math" panose="02040503050406030204" pitchFamily="18" charset="0"/>
+                              </a:rPr>
+                              <m:t>𝑡</m:t>
+                            </m:r>
+                            <m:r>
+                              <a:rPr lang="en-US" b="0" i="1" smtClean="0">
+                                <a:latin typeface="Cambria Math" panose="02040503050406030204" pitchFamily="18" charset="0"/>
+                              </a:rPr>
+                              <m:t>−1</m:t>
+                            </m:r>
+                          </m:sub>
+                        </m:sSub>
+                        <m:r>
+                          <a:rPr lang="en-US" b="0" i="1" smtClean="0">
+                            <a:latin typeface="Cambria Math" panose="02040503050406030204" pitchFamily="18" charset="0"/>
+                          </a:rPr>
+                          <m:t>,</m:t>
+                        </m:r>
+                        <m:sSub>
+                          <m:sSubPr>
+                            <m:ctrlPr>
+                              <a:rPr lang="en-US" b="0" i="1" smtClean="0">
+                                <a:latin typeface="Cambria Math" panose="02040503050406030204" pitchFamily="18" charset="0"/>
+                              </a:rPr>
+                            </m:ctrlPr>
+                          </m:sSubPr>
+                          <m:e>
+                            <m:r>
+                              <a:rPr lang="en-US" b="0" i="1" smtClean="0">
+                                <a:latin typeface="Cambria Math" panose="02040503050406030204" pitchFamily="18" charset="0"/>
+                              </a:rPr>
+                              <m:t>𝛽</m:t>
+                            </m:r>
+                          </m:e>
+                          <m:sub>
+                            <m:r>
+                              <a:rPr lang="en-US" b="0" i="1" smtClean="0">
+                                <a:latin typeface="Cambria Math" panose="02040503050406030204" pitchFamily="18" charset="0"/>
+                              </a:rPr>
+                              <m:t>𝑡</m:t>
+                            </m:r>
+                          </m:sub>
+                        </m:sSub>
+                        <m:r>
+                          <a:rPr lang="en-US" b="0" i="1" smtClean="0">
+                            <a:latin typeface="Cambria Math" panose="02040503050406030204" pitchFamily="18" charset="0"/>
+                          </a:rPr>
+                          <m:t>𝐼</m:t>
+                        </m:r>
+                      </m:e>
+                    </m:d>
+                  </m:oMath>
+                </a14:m>
+                <a:endParaRPr lang="en-US" dirty="0"/>
+              </a:p>
+              <a:p>
+                <a:r>
+                  <a:rPr lang="en-US" dirty="0"/>
+                  <a:t>The </a:t>
+                </a:r>
+                <a:r>
+                  <a:rPr lang="en-US" b="1" dirty="0"/>
+                  <a:t>reverse</a:t>
+                </a:r>
+                <a:r>
+                  <a:rPr lang="en-US" dirty="0"/>
+                  <a:t> process follows </a:t>
+                </a:r>
+                <a14:m>
+                  <m:oMath xmlns:m="http://schemas.openxmlformats.org/officeDocument/2006/math">
+                    <m:sSub>
+                      <m:sSubPr>
+                        <m:ctrlPr>
+                          <a:rPr lang="en-US" b="0" i="1" smtClean="0">
+                            <a:latin typeface="Cambria Math" panose="02040503050406030204" pitchFamily="18" charset="0"/>
+                          </a:rPr>
+                        </m:ctrlPr>
+                      </m:sSubPr>
+                      <m:e>
+                        <m:r>
+                          <a:rPr lang="en-US" b="0" i="1" smtClean="0">
+                            <a:latin typeface="Cambria Math" panose="02040503050406030204" pitchFamily="18" charset="0"/>
+                          </a:rPr>
+                          <m:t>𝑝</m:t>
+                        </m:r>
+                      </m:e>
+                      <m:sub>
+                        <m:r>
+                          <a:rPr lang="en-US" b="0" i="1" smtClean="0">
+                            <a:latin typeface="Cambria Math" panose="02040503050406030204" pitchFamily="18" charset="0"/>
+                          </a:rPr>
+                          <m:t>𝜃</m:t>
+                        </m:r>
+                      </m:sub>
+                    </m:sSub>
+                    <m:d>
+                      <m:dPr>
+                        <m:ctrlPr>
+                          <a:rPr lang="en-US" b="0" i="1" smtClean="0">
+                            <a:latin typeface="Cambria Math" panose="02040503050406030204" pitchFamily="18" charset="0"/>
+                          </a:rPr>
+                        </m:ctrlPr>
+                      </m:dPr>
+                      <m:e>
+                        <m:sSub>
+                          <m:sSubPr>
+                            <m:ctrlPr>
+                              <a:rPr lang="en-US" b="0" i="1" smtClean="0">
+                                <a:latin typeface="Cambria Math" panose="02040503050406030204" pitchFamily="18" charset="0"/>
+                              </a:rPr>
+                            </m:ctrlPr>
+                          </m:sSubPr>
+                          <m:e>
+                            <m:r>
+                              <a:rPr lang="en-US" b="0" i="1" smtClean="0">
+                                <a:latin typeface="Cambria Math" panose="02040503050406030204" pitchFamily="18" charset="0"/>
+                              </a:rPr>
+                              <m:t>𝑥</m:t>
+                            </m:r>
+                          </m:e>
+                          <m:sub>
+                            <m:r>
+                              <a:rPr lang="en-US" b="0" i="1" smtClean="0">
+                                <a:latin typeface="Cambria Math" panose="02040503050406030204" pitchFamily="18" charset="0"/>
+                              </a:rPr>
+                              <m:t>𝑡</m:t>
+                            </m:r>
+                            <m:r>
+                              <a:rPr lang="en-US" b="0" i="1" smtClean="0">
+                                <a:latin typeface="Cambria Math" panose="02040503050406030204" pitchFamily="18" charset="0"/>
+                              </a:rPr>
+                              <m:t>−1</m:t>
+                            </m:r>
+                          </m:sub>
+                        </m:sSub>
+                      </m:e>
+                      <m:e>
+                        <m:sSub>
+                          <m:sSubPr>
+                            <m:ctrlPr>
+                              <a:rPr lang="en-US" b="0" i="1" smtClean="0">
+                                <a:latin typeface="Cambria Math" panose="02040503050406030204" pitchFamily="18" charset="0"/>
+                              </a:rPr>
+                            </m:ctrlPr>
+                          </m:sSubPr>
+                          <m:e>
+                            <m:r>
+                              <a:rPr lang="en-US" b="0" i="1" smtClean="0">
+                                <a:latin typeface="Cambria Math" panose="02040503050406030204" pitchFamily="18" charset="0"/>
+                              </a:rPr>
+                              <m:t>𝑥</m:t>
+                            </m:r>
+                          </m:e>
+                          <m:sub>
+                            <m:r>
+                              <a:rPr lang="en-US" b="0" i="1" smtClean="0">
+                                <a:latin typeface="Cambria Math" panose="02040503050406030204" pitchFamily="18" charset="0"/>
+                              </a:rPr>
+                              <m:t>𝑡</m:t>
+                            </m:r>
+                          </m:sub>
+                        </m:sSub>
+                      </m:e>
+                    </m:d>
+                    <m:r>
+                      <a:rPr lang="en-US" b="0" i="1" smtClean="0">
+                        <a:latin typeface="Cambria Math" panose="02040503050406030204" pitchFamily="18" charset="0"/>
+                      </a:rPr>
+                      <m:t>=</m:t>
+                    </m:r>
+                    <m:r>
+                      <a:rPr lang="en-US" b="0" i="1" smtClean="0">
+                        <a:latin typeface="Cambria Math" panose="02040503050406030204" pitchFamily="18" charset="0"/>
+                      </a:rPr>
+                      <m:t>𝑁</m:t>
+                    </m:r>
+                    <m:d>
+                      <m:dPr>
+                        <m:ctrlPr>
+                          <a:rPr lang="en-US" b="0" i="1" smtClean="0">
+                            <a:latin typeface="Cambria Math" panose="02040503050406030204" pitchFamily="18" charset="0"/>
+                          </a:rPr>
+                        </m:ctrlPr>
+                      </m:dPr>
+                      <m:e>
+                        <m:sSub>
+                          <m:sSubPr>
+                            <m:ctrlPr>
+                              <a:rPr lang="en-US" b="0" i="1" smtClean="0">
+                                <a:latin typeface="Cambria Math" panose="02040503050406030204" pitchFamily="18" charset="0"/>
+                              </a:rPr>
+                            </m:ctrlPr>
+                          </m:sSubPr>
+                          <m:e>
+                            <m:r>
+                              <a:rPr lang="en-US" b="0" i="1" smtClean="0">
+                                <a:latin typeface="Cambria Math" panose="02040503050406030204" pitchFamily="18" charset="0"/>
+                              </a:rPr>
+                              <m:t>𝑥</m:t>
+                            </m:r>
+                          </m:e>
+                          <m:sub>
+                            <m:r>
+                              <a:rPr lang="en-US" b="0" i="1" smtClean="0">
+                                <a:latin typeface="Cambria Math" panose="02040503050406030204" pitchFamily="18" charset="0"/>
+                              </a:rPr>
+                              <m:t>𝑡</m:t>
+                            </m:r>
+                            <m:r>
+                              <a:rPr lang="en-US" b="0" i="1" smtClean="0">
+                                <a:latin typeface="Cambria Math" panose="02040503050406030204" pitchFamily="18" charset="0"/>
+                              </a:rPr>
+                              <m:t>−1</m:t>
+                            </m:r>
+                          </m:sub>
+                        </m:sSub>
+                        <m:r>
+                          <a:rPr lang="en-US" b="0" i="1" smtClean="0">
+                            <a:latin typeface="Cambria Math" panose="02040503050406030204" pitchFamily="18" charset="0"/>
+                          </a:rPr>
+                          <m:t>;</m:t>
+                        </m:r>
+                        <m:sSub>
+                          <m:sSubPr>
+                            <m:ctrlPr>
+                              <a:rPr lang="en-US" b="0" i="1" smtClean="0">
+                                <a:latin typeface="Cambria Math" panose="02040503050406030204" pitchFamily="18" charset="0"/>
+                              </a:rPr>
+                            </m:ctrlPr>
+                          </m:sSubPr>
+                          <m:e>
+                            <m:r>
+                              <a:rPr lang="en-US" b="0" i="1" smtClean="0">
+                                <a:latin typeface="Cambria Math" panose="02040503050406030204" pitchFamily="18" charset="0"/>
+                              </a:rPr>
+                              <m:t>𝜇</m:t>
+                            </m:r>
+                          </m:e>
+                          <m:sub>
+                            <m:r>
+                              <a:rPr lang="en-US" b="0" i="1" smtClean="0">
+                                <a:latin typeface="Cambria Math" panose="02040503050406030204" pitchFamily="18" charset="0"/>
+                              </a:rPr>
+                              <m:t>𝜃</m:t>
+                            </m:r>
+                          </m:sub>
+                        </m:sSub>
+                        <m:d>
+                          <m:dPr>
+                            <m:ctrlPr>
+                              <a:rPr lang="en-US" b="0" i="1" smtClean="0">
+                                <a:latin typeface="Cambria Math" panose="02040503050406030204" pitchFamily="18" charset="0"/>
+                              </a:rPr>
+                            </m:ctrlPr>
+                          </m:dPr>
+                          <m:e>
+                            <m:sSub>
+                              <m:sSubPr>
+                                <m:ctrlPr>
+                                  <a:rPr lang="en-US" b="0" i="1" smtClean="0">
+                                    <a:latin typeface="Cambria Math" panose="02040503050406030204" pitchFamily="18" charset="0"/>
+                                  </a:rPr>
+                                </m:ctrlPr>
+                              </m:sSubPr>
+                              <m:e>
+                                <m:r>
+                                  <a:rPr lang="en-US" b="0" i="1" smtClean="0">
+                                    <a:latin typeface="Cambria Math" panose="02040503050406030204" pitchFamily="18" charset="0"/>
+                                  </a:rPr>
+                                  <m:t>𝑥</m:t>
+                                </m:r>
+                              </m:e>
+                              <m:sub>
+                                <m:r>
+                                  <a:rPr lang="en-US" b="0" i="1" smtClean="0">
+                                    <a:latin typeface="Cambria Math" panose="02040503050406030204" pitchFamily="18" charset="0"/>
+                                  </a:rPr>
+                                  <m:t>𝑡</m:t>
+                                </m:r>
+                              </m:sub>
+                            </m:sSub>
+                            <m:r>
+                              <a:rPr lang="en-US" b="0" i="1" smtClean="0">
+                                <a:latin typeface="Cambria Math" panose="02040503050406030204" pitchFamily="18" charset="0"/>
+                              </a:rPr>
+                              <m:t>,</m:t>
+                            </m:r>
+                            <m:r>
+                              <a:rPr lang="en-US" b="0" i="1" smtClean="0">
+                                <a:latin typeface="Cambria Math" panose="02040503050406030204" pitchFamily="18" charset="0"/>
+                              </a:rPr>
+                              <m:t>𝑡</m:t>
+                            </m:r>
+                          </m:e>
+                        </m:d>
+                        <m:r>
+                          <a:rPr lang="en-US" b="0" i="1" smtClean="0">
+                            <a:latin typeface="Cambria Math" panose="02040503050406030204" pitchFamily="18" charset="0"/>
+                          </a:rPr>
+                          <m:t>, </m:t>
+                        </m:r>
+                        <m:sSub>
+                          <m:sSubPr>
+                            <m:ctrlPr>
+                              <a:rPr lang="en-US" b="0" i="1" smtClean="0">
+                                <a:latin typeface="Cambria Math" panose="02040503050406030204" pitchFamily="18" charset="0"/>
+                              </a:rPr>
+                            </m:ctrlPr>
+                          </m:sSubPr>
+                          <m:e>
+                            <m:r>
+                              <m:rPr>
+                                <m:sty m:val="p"/>
+                              </m:rPr>
+                              <a:rPr lang="en-US" b="0" i="0" smtClean="0">
+                                <a:latin typeface="Cambria Math" panose="02040503050406030204" pitchFamily="18" charset="0"/>
+                              </a:rPr>
+                              <m:t>Σ</m:t>
+                            </m:r>
+                          </m:e>
+                          <m:sub>
+                            <m:r>
+                              <a:rPr lang="en-US" b="0" i="1" smtClean="0">
+                                <a:latin typeface="Cambria Math" panose="02040503050406030204" pitchFamily="18" charset="0"/>
+                              </a:rPr>
+                              <m:t>𝜃</m:t>
+                            </m:r>
+                          </m:sub>
+                        </m:sSub>
+                        <m:d>
+                          <m:dPr>
+                            <m:ctrlPr>
+                              <a:rPr lang="en-US" b="0" i="1" smtClean="0">
+                                <a:latin typeface="Cambria Math" panose="02040503050406030204" pitchFamily="18" charset="0"/>
+                              </a:rPr>
+                            </m:ctrlPr>
+                          </m:dPr>
+                          <m:e>
+                            <m:sSub>
+                              <m:sSubPr>
+                                <m:ctrlPr>
+                                  <a:rPr lang="en-US" b="0" i="1" smtClean="0">
+                                    <a:latin typeface="Cambria Math" panose="02040503050406030204" pitchFamily="18" charset="0"/>
+                                  </a:rPr>
+                                </m:ctrlPr>
+                              </m:sSubPr>
+                              <m:e>
+                                <m:r>
+                                  <a:rPr lang="en-US" b="0" i="1" smtClean="0">
+                                    <a:latin typeface="Cambria Math" panose="02040503050406030204" pitchFamily="18" charset="0"/>
+                                  </a:rPr>
+                                  <m:t>𝑥</m:t>
+                                </m:r>
+                              </m:e>
+                              <m:sub>
+                                <m:r>
+                                  <a:rPr lang="en-US" b="0" i="1" smtClean="0">
+                                    <a:latin typeface="Cambria Math" panose="02040503050406030204" pitchFamily="18" charset="0"/>
+                                  </a:rPr>
+                                  <m:t>𝑡</m:t>
+                                </m:r>
+                              </m:sub>
+                            </m:sSub>
+                            <m:r>
+                              <a:rPr lang="en-US" b="0" i="1" smtClean="0">
+                                <a:latin typeface="Cambria Math" panose="02040503050406030204" pitchFamily="18" charset="0"/>
+                              </a:rPr>
+                              <m:t>,</m:t>
+                            </m:r>
+                            <m:r>
+                              <a:rPr lang="en-US" b="0" i="1" smtClean="0">
+                                <a:latin typeface="Cambria Math" panose="02040503050406030204" pitchFamily="18" charset="0"/>
+                              </a:rPr>
+                              <m:t>𝑡</m:t>
+                            </m:r>
+                          </m:e>
+                        </m:d>
+                      </m:e>
+                    </m:d>
+                  </m:oMath>
+                </a14:m>
+                <a:endParaRPr lang="en-US" dirty="0"/>
+              </a:p>
+            </p:txBody>
+          </p:sp>
+        </mc:Choice>
+        <mc:Fallback>
+          <p:sp>
+            <p:nvSpPr>
+              <p:cNvPr id="8" name="Chart Placeholder 7">
+                <a:extLst>
+                  <a:ext uri="{FF2B5EF4-FFF2-40B4-BE49-F238E27FC236}">
+                    <a16:creationId xmlns:a16="http://schemas.microsoft.com/office/drawing/2014/main" id="{D3B27195-7CD6-7A6B-38B7-E6DC2E0B857F}"/>
+                  </a:ext>
+                </a:extLst>
+              </p:cNvPr>
+              <p:cNvSpPr>
+                <a:spLocks noGrp="1" noRot="1" noChangeAspect="1" noMove="1" noResize="1" noEditPoints="1" noAdjustHandles="1" noChangeArrowheads="1" noChangeShapeType="1" noTextEdit="1"/>
+              </p:cNvSpPr>
+              <p:nvPr>
+                <p:ph type="chart" sz="quarter" idx="27"/>
+              </p:nvPr>
+            </p:nvSpPr>
+            <p:spPr>
+              <a:blipFill>
+                <a:blip r:embed="rId2"/>
+                <a:stretch>
+                  <a:fillRect l="-727" t="-2053"/>
+                </a:stretch>
+              </a:blipFill>
+            </p:spPr>
+            <p:txBody>
+              <a:bodyPr/>
+              <a:lstStyle/>
+              <a:p>
+                <a:r>
+                  <a:rPr lang="en-US">
+                    <a:noFill/>
+                  </a:rPr>
+                  <a:t> </a:t>
+                </a:r>
+              </a:p>
+            </p:txBody>
+          </p:sp>
+        </mc:Fallback>
+      </mc:AlternateContent>
+      <p:sp>
+        <p:nvSpPr>
+          <p:cNvPr id="4" name="Slide Number Placeholder 3">
+            <a:extLst>
+              <a:ext uri="{FF2B5EF4-FFF2-40B4-BE49-F238E27FC236}">
+                <a16:creationId xmlns:a16="http://schemas.microsoft.com/office/drawing/2014/main" id="{7BB802C3-B2ED-4974-BD56-BA54FB3CC275}"/>
+              </a:ext>
+            </a:extLst>
+          </p:cNvPr>
+          <p:cNvSpPr>
+            <a:spLocks noGrp="1"/>
+          </p:cNvSpPr>
+          <p:nvPr>
+            <p:ph type="sldNum" sz="quarter" idx="29"/>
+          </p:nvPr>
+        </p:nvSpPr>
+        <p:spPr/>
+        <p:txBody>
+          <a:bodyPr/>
+          <a:lstStyle/>
+          <a:p>
+            <a:fld id="{17214B29-2612-49B7-BCD5-5B417A3C392C}" type="slidenum">
+              <a:rPr lang="en-US" smtClean="0"/>
+              <a:t>3</a:t>
+            </a:fld>
+            <a:endParaRPr lang="en-US"/>
+          </a:p>
+        </p:txBody>
+      </p:sp>
+      <p:sp>
+        <p:nvSpPr>
+          <p:cNvPr id="7" name="TextBox 6">
+            <a:extLst>
+              <a:ext uri="{FF2B5EF4-FFF2-40B4-BE49-F238E27FC236}">
+                <a16:creationId xmlns:a16="http://schemas.microsoft.com/office/drawing/2014/main" id="{D386C91C-09DC-B1D1-DCC0-F877AFFF485F}"/>
+              </a:ext>
+            </a:extLst>
+          </p:cNvPr>
+          <p:cNvSpPr txBox="1"/>
+          <p:nvPr/>
+        </p:nvSpPr>
         <p:spPr>
           <a:xfrm>
-            <a:off x="9178825" y="1690688"/>
-            <a:ext cx="2676899" cy="4448796"/>
+            <a:off x="838200" y="6176963"/>
+            <a:ext cx="10355969" cy="523220"/>
           </a:xfrm>
           <a:prstGeom prst="rect">
             <a:avLst/>
           </a:prstGeom>
+          <a:noFill/>
         </p:spPr>
-      </p:pic>
+        <p:txBody>
+          <a:bodyPr wrap="square">
+            <a:spAutoFit/>
+          </a:bodyPr>
+          <a:lstStyle/>
+          <a:p>
+            <a:r>
+              <a:rPr lang="en-US" sz="1400" b="0" i="0" dirty="0">
+                <a:solidFill>
+                  <a:srgbClr val="222222"/>
+                </a:solidFill>
+                <a:effectLst/>
+                <a:highlight>
+                  <a:srgbClr val="FFFFFF"/>
+                </a:highlight>
+                <a:latin typeface="Arial" panose="020B0604020202020204" pitchFamily="34" charset="0"/>
+              </a:rPr>
+              <a:t>*Ho, Jonathan, Ajay Jain, and Pieter </a:t>
+            </a:r>
+            <a:r>
+              <a:rPr lang="en-US" sz="1400" b="0" i="0" dirty="0" err="1">
+                <a:solidFill>
+                  <a:srgbClr val="222222"/>
+                </a:solidFill>
+                <a:effectLst/>
+                <a:highlight>
+                  <a:srgbClr val="FFFFFF"/>
+                </a:highlight>
+                <a:latin typeface="Arial" panose="020B0604020202020204" pitchFamily="34" charset="0"/>
+              </a:rPr>
+              <a:t>Abbeel</a:t>
+            </a:r>
+            <a:r>
+              <a:rPr lang="en-US" sz="1400" b="0" i="0" dirty="0">
+                <a:solidFill>
+                  <a:srgbClr val="222222"/>
+                </a:solidFill>
+                <a:effectLst/>
+                <a:highlight>
+                  <a:srgbClr val="FFFFFF"/>
+                </a:highlight>
+                <a:latin typeface="Arial" panose="020B0604020202020204" pitchFamily="34" charset="0"/>
+              </a:rPr>
+              <a:t>. "Denoising diffusion probabilistic models." </a:t>
+            </a:r>
+            <a:r>
+              <a:rPr lang="en-US" sz="1400" b="0" i="1" dirty="0">
+                <a:solidFill>
+                  <a:srgbClr val="222222"/>
+                </a:solidFill>
+                <a:effectLst/>
+                <a:highlight>
+                  <a:srgbClr val="FFFFFF"/>
+                </a:highlight>
+                <a:latin typeface="Arial" panose="020B0604020202020204" pitchFamily="34" charset="0"/>
+              </a:rPr>
+              <a:t>Advances in neural information processing systems</a:t>
+            </a:r>
+            <a:r>
+              <a:rPr lang="en-US" sz="1400" b="0" i="0" dirty="0">
+                <a:solidFill>
+                  <a:srgbClr val="222222"/>
+                </a:solidFill>
+                <a:effectLst/>
+                <a:highlight>
+                  <a:srgbClr val="FFFFFF"/>
+                </a:highlight>
+                <a:latin typeface="Arial" panose="020B0604020202020204" pitchFamily="34" charset="0"/>
+              </a:rPr>
+              <a:t> 33 (2020): 6840-6851.</a:t>
+            </a:r>
+            <a:endParaRPr lang="en-US" sz="1400" dirty="0"/>
+          </a:p>
+        </p:txBody>
+      </p:sp>
       <p:pic>
         <p:nvPicPr>
-          <p:cNvPr id="6" name="Picture 5"/>
+          <p:cNvPr id="10" name="Picture 9">
+            <a:extLst>
+              <a:ext uri="{FF2B5EF4-FFF2-40B4-BE49-F238E27FC236}">
+                <a16:creationId xmlns:a16="http://schemas.microsoft.com/office/drawing/2014/main" id="{3A8ABD91-A896-47B8-1A3E-8F63CF18FA44}"/>
+              </a:ext>
+            </a:extLst>
+          </p:cNvPr>
           <p:cNvPicPr>
             <a:picLocks noChangeAspect="1"/>
           </p:cNvPicPr>
@@ -22873,8 +24085,8 @@
         </p:blipFill>
         <p:spPr>
           <a:xfrm>
-            <a:off x="1589695" y="2409926"/>
-            <a:ext cx="7020905" cy="1505160"/>
+            <a:off x="1232777" y="2737944"/>
+            <a:ext cx="9870652" cy="1706890"/>
           </a:xfrm>
           <a:prstGeom prst="rect">
             <a:avLst/>
@@ -22884,7 +24096,7 @@
     </p:spTree>
     <p:extLst>
       <p:ext uri="{BB962C8B-B14F-4D97-AF65-F5344CB8AC3E}">
-        <p14:creationId xmlns:p14="http://schemas.microsoft.com/office/powerpoint/2010/main" val="3810792061"/>
+        <p14:creationId xmlns:p14="http://schemas.microsoft.com/office/powerpoint/2010/main" val="2059420120"/>
       </p:ext>
     </p:extLst>
   </p:cSld>
@@ -22894,7 +24106,913 @@
 </p:sld>
 </file>
 
-<file path=ppt/slides/slide11.xml><?xml version="1.0" encoding="utf-8"?>
+<file path=ppt/slides/slide4.xml><?xml version="1.0" encoding="utf-8"?>
+<p:sld xmlns:a="http://schemas.openxmlformats.org/drawingml/2006/main" xmlns:r="http://schemas.openxmlformats.org/officeDocument/2006/relationships" xmlns:p="http://schemas.openxmlformats.org/presentationml/2006/main">
+  <p:cSld>
+    <p:spTree>
+      <p:nvGrpSpPr>
+        <p:cNvPr id="1" name=""/>
+        <p:cNvGrpSpPr/>
+        <p:nvPr/>
+      </p:nvGrpSpPr>
+      <p:grpSpPr>
+        <a:xfrm>
+          <a:off x="0" y="0"/>
+          <a:ext cx="0" cy="0"/>
+          <a:chOff x="0" y="0"/>
+          <a:chExt cx="0" cy="0"/>
+        </a:xfrm>
+      </p:grpSpPr>
+      <p:sp>
+        <p:nvSpPr>
+          <p:cNvPr id="2" name="Title 1">
+            <a:extLst>
+              <a:ext uri="{FF2B5EF4-FFF2-40B4-BE49-F238E27FC236}">
+                <a16:creationId xmlns:a16="http://schemas.microsoft.com/office/drawing/2014/main" id="{82C4979E-A0B2-525F-6921-EAE854E76BBE}"/>
+              </a:ext>
+            </a:extLst>
+          </p:cNvPr>
+          <p:cNvSpPr>
+            <a:spLocks noGrp="1"/>
+          </p:cNvSpPr>
+          <p:nvPr>
+            <p:ph type="title"/>
+          </p:nvPr>
+        </p:nvSpPr>
+        <p:spPr/>
+        <p:txBody>
+          <a:bodyPr/>
+          <a:lstStyle/>
+          <a:p>
+            <a:r>
+              <a:rPr lang="en-US" dirty="0"/>
+              <a:t>Diffusion Model</a:t>
+            </a:r>
+          </a:p>
+        </p:txBody>
+      </p:sp>
+      <mc:AlternateContent xmlns:mc="http://schemas.openxmlformats.org/markup-compatibility/2006">
+        <mc:Choice xmlns:a14="http://schemas.microsoft.com/office/drawing/2010/main" Requires="a14">
+          <p:sp>
+            <p:nvSpPr>
+              <p:cNvPr id="3" name="Chart Placeholder 2">
+                <a:extLst>
+                  <a:ext uri="{FF2B5EF4-FFF2-40B4-BE49-F238E27FC236}">
+                    <a16:creationId xmlns:a16="http://schemas.microsoft.com/office/drawing/2014/main" id="{65C33301-185D-662B-849D-C9520F00E7F8}"/>
+                  </a:ext>
+                </a:extLst>
+              </p:cNvPr>
+              <p:cNvSpPr>
+                <a:spLocks noGrp="1"/>
+              </p:cNvSpPr>
+              <p:nvPr>
+                <p:ph type="chart" sz="quarter" idx="27"/>
+              </p:nvPr>
+            </p:nvSpPr>
+            <p:spPr>
+              <a:xfrm>
+                <a:off x="587829" y="2086494"/>
+                <a:ext cx="5540333" cy="4264429"/>
+              </a:xfrm>
+            </p:spPr>
+            <p:txBody>
+              <a:bodyPr/>
+              <a:lstStyle/>
+              <a:p>
+                <a:r>
+                  <a:rPr lang="en-US" dirty="0"/>
+                  <a:t>The </a:t>
+                </a:r>
+                <a14:m>
+                  <m:oMath xmlns:m="http://schemas.openxmlformats.org/officeDocument/2006/math">
+                    <m:sSub>
+                      <m:sSubPr>
+                        <m:ctrlPr>
+                          <a:rPr lang="en-US" b="0" i="1" smtClean="0">
+                            <a:latin typeface="Cambria Math" panose="02040503050406030204" pitchFamily="18" charset="0"/>
+                          </a:rPr>
+                        </m:ctrlPr>
+                      </m:sSubPr>
+                      <m:e>
+                        <m:r>
+                          <a:rPr lang="en-US" b="0" i="1" smtClean="0">
+                            <a:latin typeface="Cambria Math" panose="02040503050406030204" pitchFamily="18" charset="0"/>
+                          </a:rPr>
+                          <m:t>𝛽</m:t>
+                        </m:r>
+                      </m:e>
+                      <m:sub>
+                        <m:r>
+                          <a:rPr lang="en-US" b="0" i="1" smtClean="0">
+                            <a:latin typeface="Cambria Math" panose="02040503050406030204" pitchFamily="18" charset="0"/>
+                          </a:rPr>
+                          <m:t>𝑡</m:t>
+                        </m:r>
+                      </m:sub>
+                    </m:sSub>
+                  </m:oMath>
+                </a14:m>
+                <a:r>
+                  <a:rPr lang="en-US" dirty="0"/>
+                  <a:t>’s can be hyper-parameters or they can be learned. Often </a:t>
+                </a:r>
+                <a14:m>
+                  <m:oMath xmlns:m="http://schemas.openxmlformats.org/officeDocument/2006/math">
+                    <m:sSub>
+                      <m:sSubPr>
+                        <m:ctrlPr>
+                          <a:rPr lang="en-US" b="0" i="1" smtClean="0">
+                            <a:latin typeface="Cambria Math" panose="02040503050406030204" pitchFamily="18" charset="0"/>
+                          </a:rPr>
+                        </m:ctrlPr>
+                      </m:sSubPr>
+                      <m:e>
+                        <m:r>
+                          <m:rPr>
+                            <m:sty m:val="p"/>
+                          </m:rPr>
+                          <a:rPr lang="en-US" b="0" i="0" smtClean="0">
+                            <a:latin typeface="Cambria Math" panose="02040503050406030204" pitchFamily="18" charset="0"/>
+                          </a:rPr>
+                          <m:t>Σ</m:t>
+                        </m:r>
+                      </m:e>
+                      <m:sub>
+                        <m:r>
+                          <a:rPr lang="en-US" b="0" i="1" smtClean="0">
+                            <a:latin typeface="Cambria Math" panose="02040503050406030204" pitchFamily="18" charset="0"/>
+                          </a:rPr>
+                          <m:t>𝑡</m:t>
+                        </m:r>
+                      </m:sub>
+                    </m:sSub>
+                    <m:r>
+                      <a:rPr lang="en-US" b="0" i="1" smtClean="0">
+                        <a:latin typeface="Cambria Math" panose="02040503050406030204" pitchFamily="18" charset="0"/>
+                      </a:rPr>
+                      <m:t>=</m:t>
+                    </m:r>
+                    <m:sSub>
+                      <m:sSubPr>
+                        <m:ctrlPr>
+                          <a:rPr lang="en-US" b="0" i="1" smtClean="0">
+                            <a:latin typeface="Cambria Math" panose="02040503050406030204" pitchFamily="18" charset="0"/>
+                          </a:rPr>
+                        </m:ctrlPr>
+                      </m:sSubPr>
+                      <m:e>
+                        <m:r>
+                          <a:rPr lang="en-US" b="0" i="1" smtClean="0">
+                            <a:latin typeface="Cambria Math" panose="02040503050406030204" pitchFamily="18" charset="0"/>
+                          </a:rPr>
+                          <m:t>𝛽</m:t>
+                        </m:r>
+                      </m:e>
+                      <m:sub>
+                        <m:r>
+                          <a:rPr lang="en-US" b="0" i="1" smtClean="0">
+                            <a:latin typeface="Cambria Math" panose="02040503050406030204" pitchFamily="18" charset="0"/>
+                          </a:rPr>
+                          <m:t>𝑡</m:t>
+                        </m:r>
+                      </m:sub>
+                    </m:sSub>
+                    <m:r>
+                      <a:rPr lang="en-US" b="0" i="1" smtClean="0">
+                        <a:latin typeface="Cambria Math" panose="02040503050406030204" pitchFamily="18" charset="0"/>
+                      </a:rPr>
+                      <m:t>𝐼</m:t>
+                    </m:r>
+                  </m:oMath>
+                </a14:m>
+                <a:r>
+                  <a:rPr lang="en-US" dirty="0"/>
+                  <a:t>.</a:t>
+                </a:r>
+              </a:p>
+              <a:p>
+                <a14:m>
+                  <m:oMath xmlns:m="http://schemas.openxmlformats.org/officeDocument/2006/math">
+                    <m:sSub>
+                      <m:sSubPr>
+                        <m:ctrlPr>
+                          <a:rPr lang="en-US" b="0" i="1" smtClean="0">
+                            <a:latin typeface="Cambria Math" panose="02040503050406030204" pitchFamily="18" charset="0"/>
+                          </a:rPr>
+                        </m:ctrlPr>
+                      </m:sSubPr>
+                      <m:e>
+                        <m:r>
+                          <a:rPr lang="en-US" b="0" i="1" smtClean="0">
+                            <a:latin typeface="Cambria Math" panose="02040503050406030204" pitchFamily="18" charset="0"/>
+                          </a:rPr>
+                          <m:t>𝜇</m:t>
+                        </m:r>
+                      </m:e>
+                      <m:sub>
+                        <m:r>
+                          <a:rPr lang="en-US" b="0" i="1" smtClean="0">
+                            <a:latin typeface="Cambria Math" panose="02040503050406030204" pitchFamily="18" charset="0"/>
+                          </a:rPr>
+                          <m:t>𝜃</m:t>
+                        </m:r>
+                      </m:sub>
+                    </m:sSub>
+                    <m:r>
+                      <a:rPr lang="en-US" b="0" i="1" smtClean="0">
+                        <a:latin typeface="Cambria Math" panose="02040503050406030204" pitchFamily="18" charset="0"/>
+                      </a:rPr>
+                      <m:t>(</m:t>
+                    </m:r>
+                    <m:r>
+                      <a:rPr lang="en-US" b="0" i="1" smtClean="0">
+                        <a:latin typeface="Cambria Math" panose="02040503050406030204" pitchFamily="18" charset="0"/>
+                      </a:rPr>
+                      <m:t>𝑥</m:t>
+                    </m:r>
+                    <m:r>
+                      <a:rPr lang="en-US" b="0" i="1" smtClean="0">
+                        <a:latin typeface="Cambria Math" panose="02040503050406030204" pitchFamily="18" charset="0"/>
+                      </a:rPr>
+                      <m:t>,</m:t>
+                    </m:r>
+                    <m:r>
+                      <a:rPr lang="en-US" b="0" i="1" smtClean="0">
+                        <a:latin typeface="Cambria Math" panose="02040503050406030204" pitchFamily="18" charset="0"/>
+                      </a:rPr>
+                      <m:t>𝑡</m:t>
+                    </m:r>
+                    <m:r>
+                      <a:rPr lang="en-US" b="0" i="1" smtClean="0">
+                        <a:latin typeface="Cambria Math" panose="02040503050406030204" pitchFamily="18" charset="0"/>
+                      </a:rPr>
+                      <m:t>)</m:t>
+                    </m:r>
+                  </m:oMath>
+                </a14:m>
+                <a:r>
+                  <a:rPr lang="en-US" dirty="0"/>
+                  <a:t> is a DNN. It takes an image as the input and output. An architecture such as a variant of a U-Net is an alternative</a:t>
+                </a:r>
+              </a:p>
+            </p:txBody>
+          </p:sp>
+        </mc:Choice>
+        <mc:Fallback>
+          <p:sp>
+            <p:nvSpPr>
+              <p:cNvPr id="3" name="Chart Placeholder 2">
+                <a:extLst>
+                  <a:ext uri="{FF2B5EF4-FFF2-40B4-BE49-F238E27FC236}">
+                    <a16:creationId xmlns:a16="http://schemas.microsoft.com/office/drawing/2014/main" id="{65C33301-185D-662B-849D-C9520F00E7F8}"/>
+                  </a:ext>
+                </a:extLst>
+              </p:cNvPr>
+              <p:cNvSpPr>
+                <a:spLocks noGrp="1" noRot="1" noChangeAspect="1" noMove="1" noResize="1" noEditPoints="1" noAdjustHandles="1" noChangeArrowheads="1" noChangeShapeType="1" noTextEdit="1"/>
+              </p:cNvSpPr>
+              <p:nvPr>
+                <p:ph type="chart" sz="quarter" idx="27"/>
+              </p:nvPr>
+            </p:nvSpPr>
+            <p:spPr>
+              <a:xfrm>
+                <a:off x="587829" y="2086494"/>
+                <a:ext cx="5540333" cy="4264429"/>
+              </a:xfrm>
+              <a:blipFill>
+                <a:blip r:embed="rId2"/>
+                <a:stretch>
+                  <a:fillRect l="-1430" t="-2000" r="-990"/>
+                </a:stretch>
+              </a:blipFill>
+            </p:spPr>
+            <p:txBody>
+              <a:bodyPr/>
+              <a:lstStyle/>
+              <a:p>
+                <a:r>
+                  <a:rPr lang="en-US">
+                    <a:noFill/>
+                  </a:rPr>
+                  <a:t> </a:t>
+                </a:r>
+              </a:p>
+            </p:txBody>
+          </p:sp>
+        </mc:Fallback>
+      </mc:AlternateContent>
+      <p:sp>
+        <p:nvSpPr>
+          <p:cNvPr id="4" name="Slide Number Placeholder 3">
+            <a:extLst>
+              <a:ext uri="{FF2B5EF4-FFF2-40B4-BE49-F238E27FC236}">
+                <a16:creationId xmlns:a16="http://schemas.microsoft.com/office/drawing/2014/main" id="{BF128867-C002-E3E5-E726-76A48AFC0C3E}"/>
+              </a:ext>
+            </a:extLst>
+          </p:cNvPr>
+          <p:cNvSpPr>
+            <a:spLocks noGrp="1"/>
+          </p:cNvSpPr>
+          <p:nvPr>
+            <p:ph type="sldNum" sz="quarter" idx="29"/>
+          </p:nvPr>
+        </p:nvSpPr>
+        <p:spPr/>
+        <p:txBody>
+          <a:bodyPr/>
+          <a:lstStyle/>
+          <a:p>
+            <a:fld id="{47FEACEE-25B4-4A2D-B147-27296E36371D}" type="slidenum">
+              <a:rPr lang="en-US" altLang="zh-CN" smtClean="0"/>
+              <a:pPr/>
+              <a:t>4</a:t>
+            </a:fld>
+            <a:endParaRPr lang="en-US" altLang="zh-CN" dirty="0"/>
+          </a:p>
+        </p:txBody>
+      </p:sp>
+      <p:pic>
+        <p:nvPicPr>
+          <p:cNvPr id="1026" name="Picture 2">
+            <a:extLst>
+              <a:ext uri="{FF2B5EF4-FFF2-40B4-BE49-F238E27FC236}">
+                <a16:creationId xmlns:a16="http://schemas.microsoft.com/office/drawing/2014/main" id="{80AECD8F-4AE9-802D-4407-1FEC0330033D}"/>
+              </a:ext>
+            </a:extLst>
+          </p:cNvPr>
+          <p:cNvPicPr>
+            <a:picLocks noChangeAspect="1" noChangeArrowheads="1"/>
+          </p:cNvPicPr>
+          <p:nvPr/>
+        </p:nvPicPr>
+        <p:blipFill>
+          <a:blip r:embed="rId3">
+            <a:extLst>
+              <a:ext uri="{28A0092B-C50C-407E-A947-70E740481C1C}">
+                <a14:useLocalDpi xmlns:a14="http://schemas.microsoft.com/office/drawing/2010/main" val="0"/>
+              </a:ext>
+            </a:extLst>
+          </a:blip>
+          <a:srcRect/>
+          <a:stretch>
+            <a:fillRect/>
+          </a:stretch>
+        </p:blipFill>
+        <p:spPr bwMode="auto">
+          <a:xfrm>
+            <a:off x="6187431" y="879888"/>
+            <a:ext cx="5465330" cy="3641306"/>
+          </a:xfrm>
+          <a:prstGeom prst="rect">
+            <a:avLst/>
+          </a:prstGeom>
+          <a:noFill/>
+          <a:extLst>
+            <a:ext uri="{909E8E84-426E-40DD-AFC4-6F175D3DCCD1}">
+              <a14:hiddenFill xmlns:a14="http://schemas.microsoft.com/office/drawing/2010/main">
+                <a:solidFill>
+                  <a:srgbClr val="FFFFFF"/>
+                </a:solidFill>
+              </a14:hiddenFill>
+            </a:ext>
+          </a:extLst>
+        </p:spPr>
+      </p:pic>
+      <mc:AlternateContent xmlns:mc="http://schemas.openxmlformats.org/markup-compatibility/2006">
+        <mc:Choice xmlns:a14="http://schemas.microsoft.com/office/drawing/2010/main" Requires="a14">
+          <p:sp>
+            <p:nvSpPr>
+              <p:cNvPr id="5" name="Chart Placeholder 2">
+                <a:extLst>
+                  <a:ext uri="{FF2B5EF4-FFF2-40B4-BE49-F238E27FC236}">
+                    <a16:creationId xmlns:a16="http://schemas.microsoft.com/office/drawing/2014/main" id="{9CEB8040-DD5A-9DD9-F132-1FA0588257F7}"/>
+                  </a:ext>
+                </a:extLst>
+              </p:cNvPr>
+              <p:cNvSpPr txBox="1">
+                <a:spLocks/>
+              </p:cNvSpPr>
+              <p:nvPr/>
+            </p:nvSpPr>
+            <p:spPr>
+              <a:xfrm>
+                <a:off x="587829" y="4829694"/>
+                <a:ext cx="10808920" cy="1673629"/>
+              </a:xfrm>
+              <a:prstGeom prst="rect">
+                <a:avLst/>
+              </a:prstGeom>
+            </p:spPr>
+            <p:txBody>
+              <a:bodyPr vert="horz" lIns="91440" tIns="45720" rIns="91440" bIns="45720" rtlCol="0">
+                <a:noAutofit/>
+              </a:bodyPr>
+              <a:lstStyle>
+                <a:lvl1pPr marL="228600" indent="-228600" algn="l" defTabSz="914400" rtl="0" eaLnBrk="1" latinLnBrk="0" hangingPunct="1">
+                  <a:lnSpc>
+                    <a:spcPct val="90000"/>
+                  </a:lnSpc>
+                  <a:spcBef>
+                    <a:spcPts val="1000"/>
+                  </a:spcBef>
+                  <a:buFont typeface="Arial" panose="020B0604020202020204" pitchFamily="34" charset="0"/>
+                  <a:buChar char="•"/>
+                  <a:defRPr sz="2400" kern="1200">
+                    <a:solidFill>
+                      <a:schemeClr val="accent6"/>
+                    </a:solidFill>
+                    <a:latin typeface="+mn-lt"/>
+                    <a:ea typeface="+mn-ea"/>
+                    <a:cs typeface="+mn-cs"/>
+                  </a:defRPr>
+                </a:lvl1pPr>
+                <a:lvl2pPr marL="685800" indent="-228600" algn="l" defTabSz="914400" rtl="0" eaLnBrk="1" latinLnBrk="0" hangingPunct="1">
+                  <a:lnSpc>
+                    <a:spcPct val="90000"/>
+                  </a:lnSpc>
+                  <a:spcBef>
+                    <a:spcPts val="500"/>
+                  </a:spcBef>
+                  <a:buFont typeface="Arial" panose="020B0604020202020204" pitchFamily="34" charset="0"/>
+                  <a:buChar char="•"/>
+                  <a:defRPr sz="2000" kern="1200">
+                    <a:solidFill>
+                      <a:schemeClr val="accent6"/>
+                    </a:solidFill>
+                    <a:latin typeface="+mn-lt"/>
+                    <a:ea typeface="+mn-ea"/>
+                    <a:cs typeface="+mn-cs"/>
+                  </a:defRPr>
+                </a:lvl2pPr>
+                <a:lvl3pPr marL="1143000" indent="-228600" algn="l" defTabSz="914400" rtl="0" eaLnBrk="1" latinLnBrk="0" hangingPunct="1">
+                  <a:lnSpc>
+                    <a:spcPct val="90000"/>
+                  </a:lnSpc>
+                  <a:spcBef>
+                    <a:spcPts val="500"/>
+                  </a:spcBef>
+                  <a:buFont typeface="Arial" panose="020B0604020202020204" pitchFamily="34" charset="0"/>
+                  <a:buChar char="•"/>
+                  <a:defRPr sz="2000" kern="1200">
+                    <a:solidFill>
+                      <a:schemeClr val="accent6"/>
+                    </a:solidFill>
+                    <a:latin typeface="+mn-lt"/>
+                    <a:ea typeface="+mn-ea"/>
+                    <a:cs typeface="+mn-cs"/>
+                  </a:defRPr>
+                </a:lvl3pPr>
+                <a:lvl4pPr marL="1600200" indent="-228600" algn="l" defTabSz="914400" rtl="0" eaLnBrk="1" latinLnBrk="0" hangingPunct="1">
+                  <a:lnSpc>
+                    <a:spcPct val="90000"/>
+                  </a:lnSpc>
+                  <a:spcBef>
+                    <a:spcPts val="500"/>
+                  </a:spcBef>
+                  <a:buFont typeface="Arial" panose="020B0604020202020204" pitchFamily="34" charset="0"/>
+                  <a:buChar char="•"/>
+                  <a:defRPr sz="2000" kern="1200">
+                    <a:solidFill>
+                      <a:schemeClr val="accent6"/>
+                    </a:solidFill>
+                    <a:latin typeface="+mn-lt"/>
+                    <a:ea typeface="+mn-ea"/>
+                    <a:cs typeface="+mn-cs"/>
+                  </a:defRPr>
+                </a:lvl4pPr>
+                <a:lvl5pPr marL="2057400" indent="-228600" algn="l" defTabSz="914400" rtl="0" eaLnBrk="1" latinLnBrk="0" hangingPunct="1">
+                  <a:lnSpc>
+                    <a:spcPct val="90000"/>
+                  </a:lnSpc>
+                  <a:spcBef>
+                    <a:spcPts val="500"/>
+                  </a:spcBef>
+                  <a:buFont typeface="Arial" panose="020B0604020202020204" pitchFamily="34" charset="0"/>
+                  <a:buChar char="•"/>
+                  <a:defRPr sz="2000" kern="1200">
+                    <a:solidFill>
+                      <a:schemeClr val="accent6"/>
+                    </a:solidFill>
+                    <a:latin typeface="+mn-lt"/>
+                    <a:ea typeface="+mn-ea"/>
+                    <a:cs typeface="+mn-cs"/>
+                  </a:defRPr>
+                </a:lvl5pPr>
+                <a:lvl6pPr marL="2514600" indent="-228600" algn="l" defTabSz="914400" rtl="0" eaLnBrk="1" latinLnBrk="0" hangingPunct="1">
+                  <a:lnSpc>
+                    <a:spcPct val="90000"/>
+                  </a:lnSpc>
+                  <a:spcBef>
+                    <a:spcPts val="500"/>
+                  </a:spcBef>
+                  <a:buFont typeface="Arial" panose="020B0604020202020204" pitchFamily="34" charset="0"/>
+                  <a:buChar char="•"/>
+                  <a:defRPr sz="1800" kern="1200">
+                    <a:solidFill>
+                      <a:schemeClr val="tx1"/>
+                    </a:solidFill>
+                    <a:latin typeface="+mn-lt"/>
+                    <a:ea typeface="+mn-ea"/>
+                    <a:cs typeface="+mn-cs"/>
+                  </a:defRPr>
+                </a:lvl6pPr>
+                <a:lvl7pPr marL="2971800" indent="-228600" algn="l" defTabSz="914400" rtl="0" eaLnBrk="1" latinLnBrk="0" hangingPunct="1">
+                  <a:lnSpc>
+                    <a:spcPct val="90000"/>
+                  </a:lnSpc>
+                  <a:spcBef>
+                    <a:spcPts val="500"/>
+                  </a:spcBef>
+                  <a:buFont typeface="Arial" panose="020B0604020202020204" pitchFamily="34" charset="0"/>
+                  <a:buChar char="•"/>
+                  <a:defRPr sz="1800" kern="1200">
+                    <a:solidFill>
+                      <a:schemeClr val="tx1"/>
+                    </a:solidFill>
+                    <a:latin typeface="+mn-lt"/>
+                    <a:ea typeface="+mn-ea"/>
+                    <a:cs typeface="+mn-cs"/>
+                  </a:defRPr>
+                </a:lvl7pPr>
+                <a:lvl8pPr marL="3429000" indent="-228600" algn="l" defTabSz="914400" rtl="0" eaLnBrk="1" latinLnBrk="0" hangingPunct="1">
+                  <a:lnSpc>
+                    <a:spcPct val="90000"/>
+                  </a:lnSpc>
+                  <a:spcBef>
+                    <a:spcPts val="500"/>
+                  </a:spcBef>
+                  <a:buFont typeface="Arial" panose="020B0604020202020204" pitchFamily="34" charset="0"/>
+                  <a:buChar char="•"/>
+                  <a:defRPr sz="1800" kern="1200">
+                    <a:solidFill>
+                      <a:schemeClr val="tx1"/>
+                    </a:solidFill>
+                    <a:latin typeface="+mn-lt"/>
+                    <a:ea typeface="+mn-ea"/>
+                    <a:cs typeface="+mn-cs"/>
+                  </a:defRPr>
+                </a:lvl8pPr>
+                <a:lvl9pPr marL="3886200" indent="-228600" algn="l" defTabSz="914400" rtl="0" eaLnBrk="1" latinLnBrk="0" hangingPunct="1">
+                  <a:lnSpc>
+                    <a:spcPct val="90000"/>
+                  </a:lnSpc>
+                  <a:spcBef>
+                    <a:spcPts val="500"/>
+                  </a:spcBef>
+                  <a:buFont typeface="Arial" panose="020B0604020202020204" pitchFamily="34" charset="0"/>
+                  <a:buChar char="•"/>
+                  <a:defRPr sz="1800" kern="1200">
+                    <a:solidFill>
+                      <a:schemeClr val="tx1"/>
+                    </a:solidFill>
+                    <a:latin typeface="+mn-lt"/>
+                    <a:ea typeface="+mn-ea"/>
+                    <a:cs typeface="+mn-cs"/>
+                  </a:defRPr>
+                </a:lvl9pPr>
+              </a:lstStyle>
+              <a:p>
+                <a:r>
+                  <a:rPr lang="en-US" dirty="0"/>
+                  <a:t>The training aims to maximize </a:t>
+                </a:r>
+                <a14:m>
+                  <m:oMath xmlns:m="http://schemas.openxmlformats.org/officeDocument/2006/math">
+                    <m:r>
+                      <a:rPr lang="en-US" i="1" smtClean="0">
+                        <a:latin typeface="Cambria Math" panose="02040503050406030204" pitchFamily="18" charset="0"/>
+                      </a:rPr>
+                      <m:t>𝐸</m:t>
+                    </m:r>
+                    <m:d>
+                      <m:dPr>
+                        <m:begChr m:val="["/>
+                        <m:endChr m:val="]"/>
+                        <m:ctrlPr>
+                          <a:rPr lang="en-US" i="1" smtClean="0">
+                            <a:latin typeface="Cambria Math" panose="02040503050406030204" pitchFamily="18" charset="0"/>
+                          </a:rPr>
+                        </m:ctrlPr>
+                      </m:dPr>
+                      <m:e>
+                        <m:func>
+                          <m:funcPr>
+                            <m:ctrlPr>
+                              <a:rPr lang="en-US" i="1" smtClean="0">
+                                <a:latin typeface="Cambria Math" panose="02040503050406030204" pitchFamily="18" charset="0"/>
+                              </a:rPr>
+                            </m:ctrlPr>
+                          </m:funcPr>
+                          <m:fName>
+                            <m:r>
+                              <m:rPr>
+                                <m:sty m:val="p"/>
+                              </m:rPr>
+                              <a:rPr lang="en-US" smtClean="0">
+                                <a:latin typeface="Cambria Math" panose="02040503050406030204" pitchFamily="18" charset="0"/>
+                              </a:rPr>
+                              <m:t>log</m:t>
+                            </m:r>
+                          </m:fName>
+                          <m:e>
+                            <m:d>
+                              <m:dPr>
+                                <m:ctrlPr>
+                                  <a:rPr lang="en-US" i="1" smtClean="0">
+                                    <a:latin typeface="Cambria Math" panose="02040503050406030204" pitchFamily="18" charset="0"/>
+                                  </a:rPr>
+                                </m:ctrlPr>
+                              </m:dPr>
+                              <m:e>
+                                <m:sSub>
+                                  <m:sSubPr>
+                                    <m:ctrlPr>
+                                      <a:rPr lang="en-US" i="1" smtClean="0">
+                                        <a:latin typeface="Cambria Math" panose="02040503050406030204" pitchFamily="18" charset="0"/>
+                                      </a:rPr>
+                                    </m:ctrlPr>
+                                  </m:sSubPr>
+                                  <m:e>
+                                    <m:r>
+                                      <a:rPr lang="en-US" i="1" smtClean="0">
+                                        <a:latin typeface="Cambria Math" panose="02040503050406030204" pitchFamily="18" charset="0"/>
+                                      </a:rPr>
+                                      <m:t>𝑝</m:t>
+                                    </m:r>
+                                  </m:e>
+                                  <m:sub>
+                                    <m:r>
+                                      <a:rPr lang="en-US" i="1" smtClean="0">
+                                        <a:latin typeface="Cambria Math" panose="02040503050406030204" pitchFamily="18" charset="0"/>
+                                      </a:rPr>
+                                      <m:t>𝜃</m:t>
+                                    </m:r>
+                                  </m:sub>
+                                </m:sSub>
+                                <m:d>
+                                  <m:dPr>
+                                    <m:ctrlPr>
+                                      <a:rPr lang="en-US" i="1" smtClean="0">
+                                        <a:latin typeface="Cambria Math" panose="02040503050406030204" pitchFamily="18" charset="0"/>
+                                      </a:rPr>
+                                    </m:ctrlPr>
+                                  </m:dPr>
+                                  <m:e>
+                                    <m:sSub>
+                                      <m:sSubPr>
+                                        <m:ctrlPr>
+                                          <a:rPr lang="en-US" i="1" smtClean="0">
+                                            <a:latin typeface="Cambria Math" panose="02040503050406030204" pitchFamily="18" charset="0"/>
+                                          </a:rPr>
+                                        </m:ctrlPr>
+                                      </m:sSubPr>
+                                      <m:e>
+                                        <m:r>
+                                          <a:rPr lang="en-US" i="1" smtClean="0">
+                                            <a:latin typeface="Cambria Math" panose="02040503050406030204" pitchFamily="18" charset="0"/>
+                                          </a:rPr>
+                                          <m:t>𝑥</m:t>
+                                        </m:r>
+                                      </m:e>
+                                      <m:sub>
+                                        <m:r>
+                                          <a:rPr lang="en-US" i="1" smtClean="0">
+                                            <a:latin typeface="Cambria Math" panose="02040503050406030204" pitchFamily="18" charset="0"/>
+                                          </a:rPr>
+                                          <m:t>0</m:t>
+                                        </m:r>
+                                      </m:sub>
+                                    </m:sSub>
+                                  </m:e>
+                                </m:d>
+                              </m:e>
+                            </m:d>
+                          </m:e>
+                        </m:func>
+                      </m:e>
+                    </m:d>
+                  </m:oMath>
+                </a14:m>
+                <a:r>
+                  <a:rPr lang="en-US" dirty="0"/>
+                  <a:t>. Effectively, this is done by mathematical identities and approximations. This final loss function aims to match moments between the forward and backward process.</a:t>
+                </a:r>
+              </a:p>
+            </p:txBody>
+          </p:sp>
+        </mc:Choice>
+        <mc:Fallback>
+          <p:sp>
+            <p:nvSpPr>
+              <p:cNvPr id="5" name="Chart Placeholder 2">
+                <a:extLst>
+                  <a:ext uri="{FF2B5EF4-FFF2-40B4-BE49-F238E27FC236}">
+                    <a16:creationId xmlns:a16="http://schemas.microsoft.com/office/drawing/2014/main" id="{9CEB8040-DD5A-9DD9-F132-1FA0588257F7}"/>
+                  </a:ext>
+                </a:extLst>
+              </p:cNvPr>
+              <p:cNvSpPr txBox="1">
+                <a:spLocks noRot="1" noChangeAspect="1" noMove="1" noResize="1" noEditPoints="1" noAdjustHandles="1" noChangeArrowheads="1" noChangeShapeType="1" noTextEdit="1"/>
+              </p:cNvSpPr>
+              <p:nvPr/>
+            </p:nvSpPr>
+            <p:spPr>
+              <a:xfrm>
+                <a:off x="587829" y="4829694"/>
+                <a:ext cx="10808920" cy="1673629"/>
+              </a:xfrm>
+              <a:prstGeom prst="rect">
+                <a:avLst/>
+              </a:prstGeom>
+              <a:blipFill>
+                <a:blip r:embed="rId4"/>
+                <a:stretch>
+                  <a:fillRect l="-733" t="-3273"/>
+                </a:stretch>
+              </a:blipFill>
+            </p:spPr>
+            <p:txBody>
+              <a:bodyPr/>
+              <a:lstStyle/>
+              <a:p>
+                <a:r>
+                  <a:rPr lang="en-US">
+                    <a:noFill/>
+                  </a:rPr>
+                  <a:t> </a:t>
+                </a:r>
+              </a:p>
+            </p:txBody>
+          </p:sp>
+        </mc:Fallback>
+      </mc:AlternateContent>
+      <p:sp>
+        <p:nvSpPr>
+          <p:cNvPr id="7" name="TextBox 6">
+            <a:extLst>
+              <a:ext uri="{FF2B5EF4-FFF2-40B4-BE49-F238E27FC236}">
+                <a16:creationId xmlns:a16="http://schemas.microsoft.com/office/drawing/2014/main" id="{3934E8EE-ADD3-9D0F-BA8C-BA1A9BB0D69A}"/>
+              </a:ext>
+            </a:extLst>
+          </p:cNvPr>
+          <p:cNvSpPr txBox="1"/>
+          <p:nvPr/>
+        </p:nvSpPr>
+        <p:spPr>
+          <a:xfrm>
+            <a:off x="6924005" y="572111"/>
+            <a:ext cx="5038009" cy="307777"/>
+          </a:xfrm>
+          <a:prstGeom prst="rect">
+            <a:avLst/>
+          </a:prstGeom>
+          <a:noFill/>
+        </p:spPr>
+        <p:txBody>
+          <a:bodyPr wrap="square">
+            <a:spAutoFit/>
+          </a:bodyPr>
+          <a:lstStyle/>
+          <a:p>
+            <a:r>
+              <a:rPr lang="en-US" sz="1400" dirty="0"/>
+              <a:t>*https://lmb.informatik.uni-freiburg.de/people/ronneber/u-net/</a:t>
+            </a:r>
+          </a:p>
+        </p:txBody>
+      </p:sp>
+    </p:spTree>
+    <p:extLst>
+      <p:ext uri="{BB962C8B-B14F-4D97-AF65-F5344CB8AC3E}">
+        <p14:creationId xmlns:p14="http://schemas.microsoft.com/office/powerpoint/2010/main" val="2679077981"/>
+      </p:ext>
+    </p:extLst>
+  </p:cSld>
+  <p:clrMapOvr>
+    <a:masterClrMapping/>
+  </p:clrMapOvr>
+</p:sld>
+</file>
+
+<file path=ppt/slides/slide5.xml><?xml version="1.0" encoding="utf-8"?>
+<p:sld xmlns:a="http://schemas.openxmlformats.org/drawingml/2006/main" xmlns:r="http://schemas.openxmlformats.org/officeDocument/2006/relationships" xmlns:p="http://schemas.openxmlformats.org/presentationml/2006/main">
+  <p:cSld>
+    <p:spTree>
+      <p:nvGrpSpPr>
+        <p:cNvPr id="1" name=""/>
+        <p:cNvGrpSpPr/>
+        <p:nvPr/>
+      </p:nvGrpSpPr>
+      <p:grpSpPr>
+        <a:xfrm>
+          <a:off x="0" y="0"/>
+          <a:ext cx="0" cy="0"/>
+          <a:chOff x="0" y="0"/>
+          <a:chExt cx="0" cy="0"/>
+        </a:xfrm>
+      </p:grpSpPr>
+      <p:sp>
+        <p:nvSpPr>
+          <p:cNvPr id="2" name="Title 1">
+            <a:extLst>
+              <a:ext uri="{FF2B5EF4-FFF2-40B4-BE49-F238E27FC236}">
+                <a16:creationId xmlns:a16="http://schemas.microsoft.com/office/drawing/2014/main" id="{45C69E10-1414-6C8C-782B-C53F981EE185}"/>
+              </a:ext>
+            </a:extLst>
+          </p:cNvPr>
+          <p:cNvSpPr>
+            <a:spLocks noGrp="1"/>
+          </p:cNvSpPr>
+          <p:nvPr>
+            <p:ph type="title"/>
+          </p:nvPr>
+        </p:nvSpPr>
+        <p:spPr/>
+        <p:txBody>
+          <a:bodyPr/>
+          <a:lstStyle/>
+          <a:p>
+            <a:r>
+              <a:rPr lang="en-US" dirty="0"/>
+              <a:t>CIFAR10 Progressive Generation</a:t>
+            </a:r>
+          </a:p>
+        </p:txBody>
+      </p:sp>
+      <p:sp>
+        <p:nvSpPr>
+          <p:cNvPr id="4" name="Slide Number Placeholder 3">
+            <a:extLst>
+              <a:ext uri="{FF2B5EF4-FFF2-40B4-BE49-F238E27FC236}">
+                <a16:creationId xmlns:a16="http://schemas.microsoft.com/office/drawing/2014/main" id="{A6F13F8E-88FA-B382-98A0-75C780F70113}"/>
+              </a:ext>
+            </a:extLst>
+          </p:cNvPr>
+          <p:cNvSpPr>
+            <a:spLocks noGrp="1"/>
+          </p:cNvSpPr>
+          <p:nvPr>
+            <p:ph type="sldNum" sz="quarter" idx="29"/>
+          </p:nvPr>
+        </p:nvSpPr>
+        <p:spPr/>
+        <p:txBody>
+          <a:bodyPr/>
+          <a:lstStyle/>
+          <a:p>
+            <a:fld id="{47FEACEE-25B4-4A2D-B147-27296E36371D}" type="slidenum">
+              <a:rPr lang="en-US" altLang="zh-CN" smtClean="0"/>
+              <a:pPr/>
+              <a:t>5</a:t>
+            </a:fld>
+            <a:endParaRPr lang="en-US" altLang="zh-CN" dirty="0"/>
+          </a:p>
+        </p:txBody>
+      </p:sp>
+      <p:pic>
+        <p:nvPicPr>
+          <p:cNvPr id="6" name="Picture 5">
+            <a:extLst>
+              <a:ext uri="{FF2B5EF4-FFF2-40B4-BE49-F238E27FC236}">
+                <a16:creationId xmlns:a16="http://schemas.microsoft.com/office/drawing/2014/main" id="{38EDC13B-22C7-AFFC-A494-B0E4F1A68CC4}"/>
+              </a:ext>
+            </a:extLst>
+          </p:cNvPr>
+          <p:cNvPicPr>
+            <a:picLocks noChangeAspect="1"/>
+          </p:cNvPicPr>
+          <p:nvPr/>
+        </p:nvPicPr>
+        <p:blipFill rotWithShape="1">
+          <a:blip r:embed="rId2"/>
+          <a:srcRect t="24984"/>
+          <a:stretch/>
+        </p:blipFill>
+        <p:spPr>
+          <a:xfrm>
+            <a:off x="1213614" y="1622510"/>
+            <a:ext cx="10209851" cy="4595410"/>
+          </a:xfrm>
+          <a:prstGeom prst="rect">
+            <a:avLst/>
+          </a:prstGeom>
+        </p:spPr>
+      </p:pic>
+    </p:spTree>
+    <p:extLst>
+      <p:ext uri="{BB962C8B-B14F-4D97-AF65-F5344CB8AC3E}">
+        <p14:creationId xmlns:p14="http://schemas.microsoft.com/office/powerpoint/2010/main" val="3117869594"/>
+      </p:ext>
+    </p:extLst>
+  </p:cSld>
+  <p:clrMapOvr>
+    <a:masterClrMapping/>
+  </p:clrMapOvr>
+</p:sld>
+</file>
+
+<file path=ppt/slides/slide6.xml><?xml version="1.0" encoding="utf-8"?>
 <p:sld xmlns:a="http://schemas.openxmlformats.org/drawingml/2006/main" xmlns:r="http://schemas.openxmlformats.org/officeDocument/2006/relationships" xmlns:p="http://schemas.openxmlformats.org/presentationml/2006/main">
   <p:cSld>
     <p:spTree>
@@ -23108,2442 +25226,6 @@
     <p:extLst>
       <p:ext uri="{BB962C8B-B14F-4D97-AF65-F5344CB8AC3E}">
         <p14:creationId xmlns:p14="http://schemas.microsoft.com/office/powerpoint/2010/main" val="529279411"/>
-      </p:ext>
-    </p:extLst>
-  </p:cSld>
-  <p:clrMapOvr>
-    <a:masterClrMapping/>
-  </p:clrMapOvr>
-</p:sld>
-</file>
-
-<file path=ppt/slides/slide2.xml><?xml version="1.0" encoding="utf-8"?>
-<p:sld xmlns:a="http://schemas.openxmlformats.org/drawingml/2006/main" xmlns:r="http://schemas.openxmlformats.org/officeDocument/2006/relationships" xmlns:p="http://schemas.openxmlformats.org/presentationml/2006/main">
-  <p:cSld>
-    <p:spTree>
-      <p:nvGrpSpPr>
-        <p:cNvPr id="1" name=""/>
-        <p:cNvGrpSpPr/>
-        <p:nvPr/>
-      </p:nvGrpSpPr>
-      <p:grpSpPr>
-        <a:xfrm>
-          <a:off x="0" y="0"/>
-          <a:ext cx="0" cy="0"/>
-          <a:chOff x="0" y="0"/>
-          <a:chExt cx="0" cy="0"/>
-        </a:xfrm>
-      </p:grpSpPr>
-      <p:sp>
-        <p:nvSpPr>
-          <p:cNvPr id="2" name="Title 1"/>
-          <p:cNvSpPr>
-            <a:spLocks noGrp="1"/>
-          </p:cNvSpPr>
-          <p:nvPr>
-            <p:ph type="title"/>
-          </p:nvPr>
-        </p:nvSpPr>
-        <p:spPr/>
-        <p:txBody>
-          <a:bodyPr/>
-          <a:lstStyle/>
-          <a:p>
-            <a:r>
-              <a:rPr lang="en-US" dirty="0"/>
-              <a:t>Transformers - Motivation</a:t>
-            </a:r>
-          </a:p>
-        </p:txBody>
-      </p:sp>
-      <p:sp>
-        <p:nvSpPr>
-          <p:cNvPr id="5" name="Content Placeholder 4"/>
-          <p:cNvSpPr>
-            <a:spLocks noGrp="1"/>
-          </p:cNvSpPr>
-          <p:nvPr>
-            <p:ph idx="1"/>
-          </p:nvPr>
-        </p:nvSpPr>
-        <p:spPr>
-          <a:xfrm>
-            <a:off x="838200" y="1825624"/>
-            <a:ext cx="10515600" cy="4825341"/>
-          </a:xfrm>
-        </p:spPr>
-        <p:txBody>
-          <a:bodyPr>
-            <a:normAutofit/>
-          </a:bodyPr>
-          <a:lstStyle/>
-          <a:p>
-            <a:pPr>
-              <a:lnSpc>
-                <a:spcPct val="110000"/>
-              </a:lnSpc>
-            </a:pPr>
-            <a:r>
-              <a:rPr lang="en-US" sz="2400" dirty="0"/>
-              <a:t>CNNs and RNNs allow for the integration of information on a neighborhood but they are limited on the support of their context. Even LSTMs are not good at finding relationships that are far away.</a:t>
-            </a:r>
-          </a:p>
-          <a:p>
-            <a:pPr>
-              <a:lnSpc>
-                <a:spcPct val="110000"/>
-              </a:lnSpc>
-            </a:pPr>
-            <a:r>
-              <a:rPr lang="en-US" sz="2400" dirty="0"/>
-              <a:t>Training in RNNs is sequential and prone to vanishing gradients.</a:t>
-            </a:r>
-          </a:p>
-          <a:p>
-            <a:pPr>
-              <a:lnSpc>
-                <a:spcPct val="110000"/>
-              </a:lnSpc>
-            </a:pPr>
-            <a:r>
-              <a:rPr lang="en-US" sz="2400" b="1" dirty="0"/>
-              <a:t>Attention</a:t>
-            </a:r>
-            <a:r>
-              <a:rPr lang="en-US" sz="2400" dirty="0"/>
-              <a:t> is a mechanisms that has been used to improve performance in RNNs.</a:t>
-            </a:r>
-          </a:p>
-          <a:p>
-            <a:pPr>
-              <a:lnSpc>
-                <a:spcPct val="110000"/>
-              </a:lnSpc>
-            </a:pPr>
-            <a:r>
-              <a:rPr lang="en-US" sz="2400" b="1" dirty="0"/>
-              <a:t>Transformers </a:t>
-            </a:r>
-            <a:r>
-              <a:rPr lang="en-US" sz="2400" dirty="0"/>
-              <a:t>make use of </a:t>
-            </a:r>
-            <a:r>
-              <a:rPr lang="en-US" sz="2400" b="1" dirty="0"/>
-              <a:t>self-attention </a:t>
-            </a:r>
-            <a:r>
-              <a:rPr lang="en-US" sz="2400" dirty="0"/>
-              <a:t>to encode the represent of their input while capturing the long-range relations.</a:t>
-            </a:r>
-          </a:p>
-          <a:p>
-            <a:pPr>
-              <a:lnSpc>
-                <a:spcPct val="110000"/>
-              </a:lnSpc>
-            </a:pPr>
-            <a:r>
-              <a:rPr lang="en-US" sz="2400" dirty="0"/>
-              <a:t>This framework was original applied to NLP.</a:t>
-            </a:r>
-          </a:p>
-        </p:txBody>
-      </p:sp>
-      <p:sp>
-        <p:nvSpPr>
-          <p:cNvPr id="4" name="Slide Number Placeholder 3"/>
-          <p:cNvSpPr>
-            <a:spLocks noGrp="1"/>
-          </p:cNvSpPr>
-          <p:nvPr>
-            <p:ph type="sldNum" sz="quarter" idx="12"/>
-          </p:nvPr>
-        </p:nvSpPr>
-        <p:spPr/>
-        <p:txBody>
-          <a:bodyPr/>
-          <a:lstStyle/>
-          <a:p>
-            <a:pPr>
-              <a:defRPr/>
-            </a:pPr>
-            <a:fld id="{3FF2C605-4958-CF43-AA48-80339EFDB0AF}" type="slidenum">
-              <a:rPr lang="en-US" smtClean="0"/>
-              <a:pPr>
-                <a:defRPr/>
-              </a:pPr>
-              <a:t>2</a:t>
-            </a:fld>
-            <a:endParaRPr lang="en-US"/>
-          </a:p>
-        </p:txBody>
-      </p:sp>
-    </p:spTree>
-    <p:extLst>
-      <p:ext uri="{BB962C8B-B14F-4D97-AF65-F5344CB8AC3E}">
-        <p14:creationId xmlns:p14="http://schemas.microsoft.com/office/powerpoint/2010/main" val="3288624539"/>
-      </p:ext>
-    </p:extLst>
-  </p:cSld>
-  <p:clrMapOvr>
-    <a:masterClrMapping/>
-  </p:clrMapOvr>
-</p:sld>
-</file>
-
-<file path=ppt/slides/slide3.xml><?xml version="1.0" encoding="utf-8"?>
-<p:sld xmlns:a="http://schemas.openxmlformats.org/drawingml/2006/main" xmlns:r="http://schemas.openxmlformats.org/officeDocument/2006/relationships" xmlns:p="http://schemas.openxmlformats.org/presentationml/2006/main">
-  <p:cSld>
-    <p:spTree>
-      <p:nvGrpSpPr>
-        <p:cNvPr id="1" name=""/>
-        <p:cNvGrpSpPr/>
-        <p:nvPr/>
-      </p:nvGrpSpPr>
-      <p:grpSpPr>
-        <a:xfrm>
-          <a:off x="0" y="0"/>
-          <a:ext cx="0" cy="0"/>
-          <a:chOff x="0" y="0"/>
-          <a:chExt cx="0" cy="0"/>
-        </a:xfrm>
-      </p:grpSpPr>
-      <p:sp>
-        <p:nvSpPr>
-          <p:cNvPr id="2" name="Title 1">
-            <a:extLst>
-              <a:ext uri="{FF2B5EF4-FFF2-40B4-BE49-F238E27FC236}">
-                <a16:creationId xmlns:a16="http://schemas.microsoft.com/office/drawing/2014/main" id="{2EA46EF3-58CC-4A53-B793-C9F77107E807}"/>
-              </a:ext>
-            </a:extLst>
-          </p:cNvPr>
-          <p:cNvSpPr>
-            <a:spLocks noGrp="1"/>
-          </p:cNvSpPr>
-          <p:nvPr>
-            <p:ph type="title"/>
-          </p:nvPr>
-        </p:nvSpPr>
-        <p:spPr/>
-        <p:txBody>
-          <a:bodyPr/>
-          <a:lstStyle/>
-          <a:p>
-            <a:r>
-              <a:rPr lang="en-US" dirty="0"/>
-              <a:t>An Example of Global Attention [2]</a:t>
-            </a:r>
-          </a:p>
-        </p:txBody>
-      </p:sp>
-      <mc:AlternateContent xmlns:mc="http://schemas.openxmlformats.org/markup-compatibility/2006">
-        <mc:Choice xmlns:a14="http://schemas.microsoft.com/office/drawing/2010/main" Requires="a14">
-          <p:sp>
-            <p:nvSpPr>
-              <p:cNvPr id="3" name="Content Placeholder 2">
-                <a:extLst>
-                  <a:ext uri="{FF2B5EF4-FFF2-40B4-BE49-F238E27FC236}">
-                    <a16:creationId xmlns:a16="http://schemas.microsoft.com/office/drawing/2014/main" id="{26AEE493-2925-4569-B4CD-B6B84050BD4D}"/>
-                  </a:ext>
-                </a:extLst>
-              </p:cNvPr>
-              <p:cNvSpPr>
-                <a:spLocks noGrp="1"/>
-              </p:cNvSpPr>
-              <p:nvPr>
-                <p:ph idx="1"/>
-              </p:nvPr>
-            </p:nvSpPr>
-            <p:spPr>
-              <a:xfrm>
-                <a:off x="838200" y="1825625"/>
-                <a:ext cx="7013594" cy="4351338"/>
-              </a:xfrm>
-            </p:spPr>
-            <p:txBody>
-              <a:bodyPr>
-                <a:normAutofit/>
-              </a:bodyPr>
-              <a:lstStyle/>
-              <a:p>
-                <a:pPr>
-                  <a:spcAft>
-                    <a:spcPts val="1200"/>
-                  </a:spcAft>
-                </a:pPr>
-                <a:r>
-                  <a:rPr lang="en-US" sz="2400" dirty="0"/>
-                  <a:t>The goal is to translate a sentence</a:t>
-                </a:r>
-              </a:p>
-              <a:p>
-                <a:pPr>
-                  <a:spcAft>
-                    <a:spcPts val="1200"/>
-                  </a:spcAft>
-                </a:pPr>
-                <a:r>
-                  <a:rPr lang="en-US" sz="2400" dirty="0"/>
-                  <a:t>We define the </a:t>
-                </a:r>
-                <a:r>
-                  <a:rPr lang="en-US" sz="2400" b="1" dirty="0"/>
-                  <a:t>conditional probability of generating a word in the translation </a:t>
-                </a:r>
-                <a:r>
-                  <a:rPr lang="en-US" sz="2400" dirty="0"/>
-                  <a:t>as</a:t>
-                </a:r>
-              </a:p>
-              <a:p>
-                <a:pPr marL="0" indent="0">
-                  <a:buNone/>
-                </a:pPr>
-                <a14:m>
-                  <m:oMathPara xmlns:m="http://schemas.openxmlformats.org/officeDocument/2006/math">
-                    <m:oMathParaPr>
-                      <m:jc m:val="centerGroup"/>
-                    </m:oMathParaPr>
-                    <m:oMath xmlns:m="http://schemas.openxmlformats.org/officeDocument/2006/math">
-                      <m:r>
-                        <a:rPr lang="en-US" sz="2400" b="0" i="1" smtClean="0">
-                          <a:latin typeface="Cambria Math" panose="02040503050406030204" pitchFamily="18" charset="0"/>
-                        </a:rPr>
-                        <m:t>𝑝</m:t>
-                      </m:r>
-                      <m:d>
-                        <m:dPr>
-                          <m:ctrlPr>
-                            <a:rPr lang="en-US" sz="2400" b="0" i="1" smtClean="0">
-                              <a:latin typeface="Cambria Math" panose="02040503050406030204" pitchFamily="18" charset="0"/>
-                            </a:rPr>
-                          </m:ctrlPr>
-                        </m:dPr>
-                        <m:e>
-                          <m:sSub>
-                            <m:sSubPr>
-                              <m:ctrlPr>
-                                <a:rPr lang="en-US" sz="2400" b="0" i="1" smtClean="0">
-                                  <a:latin typeface="Cambria Math" panose="02040503050406030204" pitchFamily="18" charset="0"/>
-                                </a:rPr>
-                              </m:ctrlPr>
-                            </m:sSubPr>
-                            <m:e>
-                              <m:r>
-                                <a:rPr lang="en-US" sz="2400" b="0" i="1" smtClean="0">
-                                  <a:latin typeface="Cambria Math" panose="02040503050406030204" pitchFamily="18" charset="0"/>
-                                </a:rPr>
-                                <m:t>𝑦</m:t>
-                              </m:r>
-                            </m:e>
-                            <m:sub>
-                              <m:r>
-                                <a:rPr lang="en-US" sz="2400" b="0" i="1" smtClean="0">
-                                  <a:latin typeface="Cambria Math" panose="02040503050406030204" pitchFamily="18" charset="0"/>
-                                </a:rPr>
-                                <m:t>𝑖</m:t>
-                              </m:r>
-                            </m:sub>
-                          </m:sSub>
-                        </m:e>
-                        <m:e>
-                          <m:sSub>
-                            <m:sSubPr>
-                              <m:ctrlPr>
-                                <a:rPr lang="en-US" sz="2400" b="0" i="1" smtClean="0">
-                                  <a:latin typeface="Cambria Math" panose="02040503050406030204" pitchFamily="18" charset="0"/>
-                                </a:rPr>
-                              </m:ctrlPr>
-                            </m:sSubPr>
-                            <m:e>
-                              <m:r>
-                                <a:rPr lang="en-US" sz="2400" b="0" i="1" smtClean="0">
-                                  <a:latin typeface="Cambria Math" panose="02040503050406030204" pitchFamily="18" charset="0"/>
-                                </a:rPr>
-                                <m:t>𝑦</m:t>
-                              </m:r>
-                            </m:e>
-                            <m:sub>
-                              <m:r>
-                                <a:rPr lang="en-US" sz="2400" b="0" i="1" smtClean="0">
-                                  <a:latin typeface="Cambria Math" panose="02040503050406030204" pitchFamily="18" charset="0"/>
-                                </a:rPr>
-                                <m:t>1:</m:t>
-                              </m:r>
-                              <m:r>
-                                <a:rPr lang="en-US" sz="2400" b="0" i="1" smtClean="0">
-                                  <a:latin typeface="Cambria Math" panose="02040503050406030204" pitchFamily="18" charset="0"/>
-                                </a:rPr>
-                                <m:t>𝑖</m:t>
-                              </m:r>
-                              <m:r>
-                                <a:rPr lang="en-US" sz="2400" b="0" i="1" smtClean="0">
-                                  <a:latin typeface="Cambria Math" panose="02040503050406030204" pitchFamily="18" charset="0"/>
-                                </a:rPr>
-                                <m:t>−1</m:t>
-                              </m:r>
-                            </m:sub>
-                          </m:sSub>
-                          <m:r>
-                            <a:rPr lang="en-US" sz="2400" b="0" i="1" smtClean="0">
-                              <a:latin typeface="Cambria Math" panose="02040503050406030204" pitchFamily="18" charset="0"/>
-                            </a:rPr>
-                            <m:t>,</m:t>
-                          </m:r>
-                          <m:r>
-                            <a:rPr lang="en-US" sz="2400" b="0" i="1" smtClean="0">
-                              <a:latin typeface="Cambria Math" panose="02040503050406030204" pitchFamily="18" charset="0"/>
-                            </a:rPr>
-                            <m:t>𝑥</m:t>
-                          </m:r>
-                        </m:e>
-                      </m:d>
-                      <m:r>
-                        <a:rPr lang="en-US" sz="2400" b="0" i="1" smtClean="0">
-                          <a:latin typeface="Cambria Math" panose="02040503050406030204" pitchFamily="18" charset="0"/>
-                        </a:rPr>
-                        <m:t>=</m:t>
-                      </m:r>
-                      <m:r>
-                        <a:rPr lang="en-US" sz="2400" b="0" i="1" smtClean="0">
-                          <a:latin typeface="Cambria Math" panose="02040503050406030204" pitchFamily="18" charset="0"/>
-                        </a:rPr>
-                        <m:t>𝑔</m:t>
-                      </m:r>
-                      <m:d>
-                        <m:dPr>
-                          <m:ctrlPr>
-                            <a:rPr lang="en-US" sz="2400" b="0" i="1" smtClean="0">
-                              <a:latin typeface="Cambria Math" panose="02040503050406030204" pitchFamily="18" charset="0"/>
-                            </a:rPr>
-                          </m:ctrlPr>
-                        </m:dPr>
-                        <m:e>
-                          <m:sSub>
-                            <m:sSubPr>
-                              <m:ctrlPr>
-                                <a:rPr lang="en-US" sz="2400" b="0" i="1" smtClean="0">
-                                  <a:latin typeface="Cambria Math" panose="02040503050406030204" pitchFamily="18" charset="0"/>
-                                </a:rPr>
-                              </m:ctrlPr>
-                            </m:sSubPr>
-                            <m:e>
-                              <m:r>
-                                <a:rPr lang="en-US" sz="2400" b="0" i="1" smtClean="0">
-                                  <a:latin typeface="Cambria Math" panose="02040503050406030204" pitchFamily="18" charset="0"/>
-                                </a:rPr>
-                                <m:t>𝑦</m:t>
-                              </m:r>
-                            </m:e>
-                            <m:sub>
-                              <m:r>
-                                <a:rPr lang="en-US" sz="2400" b="0" i="1" smtClean="0">
-                                  <a:latin typeface="Cambria Math" panose="02040503050406030204" pitchFamily="18" charset="0"/>
-                                </a:rPr>
-                                <m:t>𝑖</m:t>
-                              </m:r>
-                              <m:r>
-                                <a:rPr lang="en-US" sz="2400" b="0" i="1" smtClean="0">
-                                  <a:latin typeface="Cambria Math" panose="02040503050406030204" pitchFamily="18" charset="0"/>
-                                </a:rPr>
-                                <m:t>−1</m:t>
-                              </m:r>
-                            </m:sub>
-                          </m:sSub>
-                          <m:r>
-                            <a:rPr lang="en-US" sz="2400" b="0" i="1" smtClean="0">
-                              <a:latin typeface="Cambria Math" panose="02040503050406030204" pitchFamily="18" charset="0"/>
-                            </a:rPr>
-                            <m:t>,</m:t>
-                          </m:r>
-                          <m:sSub>
-                            <m:sSubPr>
-                              <m:ctrlPr>
-                                <a:rPr lang="en-US" sz="2400" b="0" i="1" smtClean="0">
-                                  <a:latin typeface="Cambria Math" panose="02040503050406030204" pitchFamily="18" charset="0"/>
-                                </a:rPr>
-                              </m:ctrlPr>
-                            </m:sSubPr>
-                            <m:e>
-                              <m:r>
-                                <a:rPr lang="en-US" sz="2400" b="0" i="1" smtClean="0">
-                                  <a:latin typeface="Cambria Math" panose="02040503050406030204" pitchFamily="18" charset="0"/>
-                                </a:rPr>
-                                <m:t>𝑠</m:t>
-                              </m:r>
-                            </m:e>
-                            <m:sub>
-                              <m:r>
-                                <a:rPr lang="en-US" sz="2400" b="0" i="1" smtClean="0">
-                                  <a:latin typeface="Cambria Math" panose="02040503050406030204" pitchFamily="18" charset="0"/>
-                                </a:rPr>
-                                <m:t>𝑖</m:t>
-                              </m:r>
-                            </m:sub>
-                          </m:sSub>
-                          <m:r>
-                            <a:rPr lang="en-US" sz="2400" b="0" i="1" smtClean="0">
-                              <a:latin typeface="Cambria Math" panose="02040503050406030204" pitchFamily="18" charset="0"/>
-                            </a:rPr>
-                            <m:t>, </m:t>
-                          </m:r>
-                          <m:sSub>
-                            <m:sSubPr>
-                              <m:ctrlPr>
-                                <a:rPr lang="en-US" sz="2400" b="0" i="1" smtClean="0">
-                                  <a:latin typeface="Cambria Math" panose="02040503050406030204" pitchFamily="18" charset="0"/>
-                                </a:rPr>
-                              </m:ctrlPr>
-                            </m:sSubPr>
-                            <m:e>
-                              <m:r>
-                                <a:rPr lang="en-US" sz="2400" b="0" i="1" smtClean="0">
-                                  <a:latin typeface="Cambria Math" panose="02040503050406030204" pitchFamily="18" charset="0"/>
-                                </a:rPr>
-                                <m:t>𝑐</m:t>
-                              </m:r>
-                            </m:e>
-                            <m:sub>
-                              <m:r>
-                                <a:rPr lang="en-US" sz="2400" b="0" i="1" smtClean="0">
-                                  <a:latin typeface="Cambria Math" panose="02040503050406030204" pitchFamily="18" charset="0"/>
-                                </a:rPr>
-                                <m:t>𝑖</m:t>
-                              </m:r>
-                            </m:sub>
-                          </m:sSub>
-                        </m:e>
-                      </m:d>
-                    </m:oMath>
-                  </m:oMathPara>
-                </a14:m>
-                <a:endParaRPr lang="en-US" sz="2400" dirty="0"/>
-              </a:p>
-              <a:p>
-                <a:pPr marL="230188" indent="0">
-                  <a:spcBef>
-                    <a:spcPts val="1800"/>
-                  </a:spcBef>
-                  <a:spcAft>
-                    <a:spcPts val="1200"/>
-                  </a:spcAft>
-                  <a:buNone/>
-                </a:pPr>
-                <a:r>
-                  <a:rPr lang="en-US" sz="2400" dirty="0"/>
-                  <a:t>with </a:t>
-                </a:r>
-                <a:r>
-                  <a:rPr lang="en-US" sz="2400" b="1" dirty="0"/>
-                  <a:t>hidden state </a:t>
-                </a:r>
-                <a14:m>
-                  <m:oMath xmlns:m="http://schemas.openxmlformats.org/officeDocument/2006/math">
-                    <m:sSub>
-                      <m:sSubPr>
-                        <m:ctrlPr>
-                          <a:rPr lang="en-US" sz="2400" b="0" i="1" smtClean="0">
-                            <a:latin typeface="Cambria Math" panose="02040503050406030204" pitchFamily="18" charset="0"/>
-                          </a:rPr>
-                        </m:ctrlPr>
-                      </m:sSubPr>
-                      <m:e>
-                        <m:r>
-                          <a:rPr lang="en-US" sz="2400" b="0" i="1" smtClean="0">
-                            <a:latin typeface="Cambria Math" panose="02040503050406030204" pitchFamily="18" charset="0"/>
-                          </a:rPr>
-                          <m:t>𝑠</m:t>
-                        </m:r>
-                      </m:e>
-                      <m:sub>
-                        <m:r>
-                          <a:rPr lang="en-US" sz="2400" b="0" i="1" smtClean="0">
-                            <a:latin typeface="Cambria Math" panose="02040503050406030204" pitchFamily="18" charset="0"/>
-                          </a:rPr>
-                          <m:t>𝑖</m:t>
-                        </m:r>
-                      </m:sub>
-                    </m:sSub>
-                    <m:r>
-                      <a:rPr lang="en-US" sz="2400" b="0" i="1" smtClean="0">
-                        <a:latin typeface="Cambria Math" panose="02040503050406030204" pitchFamily="18" charset="0"/>
-                      </a:rPr>
-                      <m:t>=</m:t>
-                    </m:r>
-                    <m:r>
-                      <a:rPr lang="en-US" sz="2400" b="0" i="1" smtClean="0">
-                        <a:latin typeface="Cambria Math" panose="02040503050406030204" pitchFamily="18" charset="0"/>
-                      </a:rPr>
-                      <m:t>𝑓</m:t>
-                    </m:r>
-                    <m:d>
-                      <m:dPr>
-                        <m:ctrlPr>
-                          <a:rPr lang="en-US" sz="2400" b="0" i="1" smtClean="0">
-                            <a:latin typeface="Cambria Math" panose="02040503050406030204" pitchFamily="18" charset="0"/>
-                          </a:rPr>
-                        </m:ctrlPr>
-                      </m:dPr>
-                      <m:e>
-                        <m:sSub>
-                          <m:sSubPr>
-                            <m:ctrlPr>
-                              <a:rPr lang="en-US" sz="2400" b="0" i="1" smtClean="0">
-                                <a:latin typeface="Cambria Math" panose="02040503050406030204" pitchFamily="18" charset="0"/>
-                              </a:rPr>
-                            </m:ctrlPr>
-                          </m:sSubPr>
-                          <m:e>
-                            <m:r>
-                              <a:rPr lang="en-US" sz="2400" b="0" i="1" smtClean="0">
-                                <a:latin typeface="Cambria Math" panose="02040503050406030204" pitchFamily="18" charset="0"/>
-                              </a:rPr>
-                              <m:t>𝑠</m:t>
-                            </m:r>
-                          </m:e>
-                          <m:sub>
-                            <m:r>
-                              <a:rPr lang="en-US" sz="2400" b="0" i="1" smtClean="0">
-                                <a:latin typeface="Cambria Math" panose="02040503050406030204" pitchFamily="18" charset="0"/>
-                              </a:rPr>
-                              <m:t>𝑖</m:t>
-                            </m:r>
-                            <m:r>
-                              <a:rPr lang="en-US" sz="2400" b="0" i="1" smtClean="0">
-                                <a:latin typeface="Cambria Math" panose="02040503050406030204" pitchFamily="18" charset="0"/>
-                              </a:rPr>
-                              <m:t>−1</m:t>
-                            </m:r>
-                          </m:sub>
-                        </m:sSub>
-                        <m:r>
-                          <a:rPr lang="en-US" sz="2400" b="0" i="1" smtClean="0">
-                            <a:latin typeface="Cambria Math" panose="02040503050406030204" pitchFamily="18" charset="0"/>
-                          </a:rPr>
-                          <m:t>,</m:t>
-                        </m:r>
-                        <m:sSub>
-                          <m:sSubPr>
-                            <m:ctrlPr>
-                              <a:rPr lang="en-US" sz="2400" b="0" i="1" smtClean="0">
-                                <a:latin typeface="Cambria Math" panose="02040503050406030204" pitchFamily="18" charset="0"/>
-                              </a:rPr>
-                            </m:ctrlPr>
-                          </m:sSubPr>
-                          <m:e>
-                            <m:r>
-                              <a:rPr lang="en-US" sz="2400" b="0" i="1" smtClean="0">
-                                <a:latin typeface="Cambria Math" panose="02040503050406030204" pitchFamily="18" charset="0"/>
-                              </a:rPr>
-                              <m:t>𝑦</m:t>
-                            </m:r>
-                          </m:e>
-                          <m:sub>
-                            <m:r>
-                              <a:rPr lang="en-US" sz="2400" b="0" i="1" smtClean="0">
-                                <a:latin typeface="Cambria Math" panose="02040503050406030204" pitchFamily="18" charset="0"/>
-                              </a:rPr>
-                              <m:t>𝑖</m:t>
-                            </m:r>
-                            <m:r>
-                              <a:rPr lang="en-US" sz="2400" b="0" i="1" smtClean="0">
-                                <a:latin typeface="Cambria Math" panose="02040503050406030204" pitchFamily="18" charset="0"/>
-                              </a:rPr>
-                              <m:t>−1</m:t>
-                            </m:r>
-                          </m:sub>
-                        </m:sSub>
-                        <m:r>
-                          <a:rPr lang="en-US" sz="2400" b="0" i="1" smtClean="0">
-                            <a:latin typeface="Cambria Math" panose="02040503050406030204" pitchFamily="18" charset="0"/>
-                          </a:rPr>
-                          <m:t>,</m:t>
-                        </m:r>
-                        <m:sSub>
-                          <m:sSubPr>
-                            <m:ctrlPr>
-                              <a:rPr lang="en-US" sz="2400" b="0" i="1" smtClean="0">
-                                <a:latin typeface="Cambria Math" panose="02040503050406030204" pitchFamily="18" charset="0"/>
-                              </a:rPr>
-                            </m:ctrlPr>
-                          </m:sSubPr>
-                          <m:e>
-                            <m:r>
-                              <a:rPr lang="en-US" sz="2400" b="0" i="1" smtClean="0">
-                                <a:latin typeface="Cambria Math" panose="02040503050406030204" pitchFamily="18" charset="0"/>
-                              </a:rPr>
-                              <m:t>𝑐</m:t>
-                            </m:r>
-                          </m:e>
-                          <m:sub>
-                            <m:r>
-                              <a:rPr lang="en-US" sz="2400" b="0" i="1" smtClean="0">
-                                <a:latin typeface="Cambria Math" panose="02040503050406030204" pitchFamily="18" charset="0"/>
-                              </a:rPr>
-                              <m:t>𝑖</m:t>
-                            </m:r>
-                          </m:sub>
-                        </m:sSub>
-                      </m:e>
-                    </m:d>
-                  </m:oMath>
-                </a14:m>
-                <a:r>
-                  <a:rPr lang="en-US" sz="2400" dirty="0"/>
-                  <a:t>, </a:t>
-                </a:r>
-                <a:r>
-                  <a:rPr lang="en-US" sz="2400" b="1" dirty="0"/>
-                  <a:t>alignment</a:t>
-                </a:r>
-                <a:r>
-                  <a:rPr lang="en-US" sz="2400" dirty="0"/>
-                  <a:t> </a:t>
-                </a:r>
-                <a14:m>
-                  <m:oMath xmlns:m="http://schemas.openxmlformats.org/officeDocument/2006/math">
-                    <m:sSub>
-                      <m:sSubPr>
-                        <m:ctrlPr>
-                          <a:rPr lang="en-US" sz="2400" i="1">
-                            <a:latin typeface="Cambria Math" panose="02040503050406030204" pitchFamily="18" charset="0"/>
-                          </a:rPr>
-                        </m:ctrlPr>
-                      </m:sSubPr>
-                      <m:e>
-                        <m:r>
-                          <a:rPr lang="en-US" sz="2400" i="1">
-                            <a:latin typeface="Cambria Math" panose="02040503050406030204" pitchFamily="18" charset="0"/>
-                          </a:rPr>
-                          <m:t>𝑒</m:t>
-                        </m:r>
-                      </m:e>
-                      <m:sub>
-                        <m:r>
-                          <a:rPr lang="en-US" sz="2400" i="1">
-                            <a:latin typeface="Cambria Math" panose="02040503050406030204" pitchFamily="18" charset="0"/>
-                          </a:rPr>
-                          <m:t>𝑖𝑗</m:t>
-                        </m:r>
-                      </m:sub>
-                    </m:sSub>
-                    <m:r>
-                      <a:rPr lang="en-US" sz="2400" i="1">
-                        <a:latin typeface="Cambria Math" panose="02040503050406030204" pitchFamily="18" charset="0"/>
-                      </a:rPr>
-                      <m:t>=</m:t>
-                    </m:r>
-                    <m:r>
-                      <a:rPr lang="en-US" sz="2400" i="1">
-                        <a:latin typeface="Cambria Math" panose="02040503050406030204" pitchFamily="18" charset="0"/>
-                      </a:rPr>
-                      <m:t>𝑎</m:t>
-                    </m:r>
-                    <m:r>
-                      <a:rPr lang="en-US" sz="2400" i="1">
-                        <a:latin typeface="Cambria Math" panose="02040503050406030204" pitchFamily="18" charset="0"/>
-                      </a:rPr>
-                      <m:t>(</m:t>
-                    </m:r>
-                    <m:sSub>
-                      <m:sSubPr>
-                        <m:ctrlPr>
-                          <a:rPr lang="en-US" sz="2400" i="1">
-                            <a:latin typeface="Cambria Math" panose="02040503050406030204" pitchFamily="18" charset="0"/>
-                          </a:rPr>
-                        </m:ctrlPr>
-                      </m:sSubPr>
-                      <m:e>
-                        <m:r>
-                          <a:rPr lang="en-US" sz="2400" i="1">
-                            <a:latin typeface="Cambria Math" panose="02040503050406030204" pitchFamily="18" charset="0"/>
-                          </a:rPr>
-                          <m:t>𝑠</m:t>
-                        </m:r>
-                      </m:e>
-                      <m:sub>
-                        <m:r>
-                          <a:rPr lang="en-US" sz="2400" i="1">
-                            <a:latin typeface="Cambria Math" panose="02040503050406030204" pitchFamily="18" charset="0"/>
-                          </a:rPr>
-                          <m:t>𝑖</m:t>
-                        </m:r>
-                        <m:r>
-                          <a:rPr lang="en-US" sz="2400" i="1">
-                            <a:latin typeface="Cambria Math" panose="02040503050406030204" pitchFamily="18" charset="0"/>
-                          </a:rPr>
-                          <m:t>−1</m:t>
-                        </m:r>
-                      </m:sub>
-                    </m:sSub>
-                    <m:r>
-                      <a:rPr lang="en-US" sz="2400" i="1">
-                        <a:latin typeface="Cambria Math" panose="02040503050406030204" pitchFamily="18" charset="0"/>
-                      </a:rPr>
-                      <m:t>,</m:t>
-                    </m:r>
-                    <m:sSub>
-                      <m:sSubPr>
-                        <m:ctrlPr>
-                          <a:rPr lang="en-US" sz="2400" i="1">
-                            <a:latin typeface="Cambria Math" panose="02040503050406030204" pitchFamily="18" charset="0"/>
-                          </a:rPr>
-                        </m:ctrlPr>
-                      </m:sSubPr>
-                      <m:e>
-                        <m:r>
-                          <a:rPr lang="en-US" sz="2400" i="1">
-                            <a:latin typeface="Cambria Math" panose="02040503050406030204" pitchFamily="18" charset="0"/>
-                          </a:rPr>
-                          <m:t>h</m:t>
-                        </m:r>
-                      </m:e>
-                      <m:sub>
-                        <m:r>
-                          <a:rPr lang="en-US" sz="2400" i="1">
-                            <a:latin typeface="Cambria Math" panose="02040503050406030204" pitchFamily="18" charset="0"/>
-                          </a:rPr>
-                          <m:t>𝑗</m:t>
-                        </m:r>
-                      </m:sub>
-                    </m:sSub>
-                    <m:r>
-                      <a:rPr lang="en-US" sz="2400" i="1">
-                        <a:latin typeface="Cambria Math" panose="02040503050406030204" pitchFamily="18" charset="0"/>
-                      </a:rPr>
-                      <m:t>)</m:t>
-                    </m:r>
-                  </m:oMath>
-                </a14:m>
-                <a:r>
-                  <a:rPr lang="en-US" sz="2400" dirty="0"/>
-                  <a:t>, and </a:t>
-                </a:r>
-                <a:r>
-                  <a:rPr lang="en-US" sz="2400" b="1" dirty="0"/>
-                  <a:t>context</a:t>
-                </a:r>
-                <a:r>
-                  <a:rPr lang="en-US" sz="2400" dirty="0"/>
-                  <a:t> </a:t>
-                </a:r>
-              </a:p>
-              <a:p>
-                <a:pPr marL="0" indent="0">
-                  <a:spcAft>
-                    <a:spcPts val="600"/>
-                  </a:spcAft>
-                  <a:buNone/>
-                </a:pPr>
-                <a14:m>
-                  <m:oMathPara xmlns:m="http://schemas.openxmlformats.org/officeDocument/2006/math">
-                    <m:oMathParaPr>
-                      <m:jc m:val="centerGroup"/>
-                    </m:oMathParaPr>
-                    <m:oMath xmlns:m="http://schemas.openxmlformats.org/officeDocument/2006/math">
-                      <m:sSub>
-                        <m:sSubPr>
-                          <m:ctrlPr>
-                            <a:rPr lang="en-US" sz="2400" b="0" i="1" smtClean="0">
-                              <a:latin typeface="Cambria Math" panose="02040503050406030204" pitchFamily="18" charset="0"/>
-                            </a:rPr>
-                          </m:ctrlPr>
-                        </m:sSubPr>
-                        <m:e>
-                          <m:r>
-                            <a:rPr lang="en-US" sz="2400" b="0" i="1" smtClean="0">
-                              <a:latin typeface="Cambria Math" panose="02040503050406030204" pitchFamily="18" charset="0"/>
-                            </a:rPr>
-                            <m:t>𝑐</m:t>
-                          </m:r>
-                        </m:e>
-                        <m:sub>
-                          <m:r>
-                            <a:rPr lang="en-US" sz="2400" b="0" i="1" smtClean="0">
-                              <a:latin typeface="Cambria Math" panose="02040503050406030204" pitchFamily="18" charset="0"/>
-                            </a:rPr>
-                            <m:t>𝑖</m:t>
-                          </m:r>
-                        </m:sub>
-                      </m:sSub>
-                      <m:r>
-                        <a:rPr lang="en-US" sz="2400" b="0" i="1" smtClean="0">
-                          <a:latin typeface="Cambria Math" panose="02040503050406030204" pitchFamily="18" charset="0"/>
-                        </a:rPr>
-                        <m:t>=</m:t>
-                      </m:r>
-                      <m:nary>
-                        <m:naryPr>
-                          <m:chr m:val="∑"/>
-                          <m:supHide m:val="on"/>
-                          <m:ctrlPr>
-                            <a:rPr lang="en-US" sz="2400" b="0" i="1" smtClean="0">
-                              <a:latin typeface="Cambria Math" panose="02040503050406030204" pitchFamily="18" charset="0"/>
-                            </a:rPr>
-                          </m:ctrlPr>
-                        </m:naryPr>
-                        <m:sub>
-                          <m:r>
-                            <a:rPr lang="en-US" sz="2400" b="0" i="1" smtClean="0">
-                              <a:latin typeface="Cambria Math" panose="02040503050406030204" pitchFamily="18" charset="0"/>
-                            </a:rPr>
-                            <m:t>𝑗</m:t>
-                          </m:r>
-                        </m:sub>
-                        <m:sup/>
-                        <m:e>
-                          <m:sSub>
-                            <m:sSubPr>
-                              <m:ctrlPr>
-                                <a:rPr lang="en-US" sz="2400" b="0" i="1" smtClean="0">
-                                  <a:latin typeface="Cambria Math" panose="02040503050406030204" pitchFamily="18" charset="0"/>
-                                </a:rPr>
-                              </m:ctrlPr>
-                            </m:sSubPr>
-                            <m:e>
-                              <m:r>
-                                <a:rPr lang="en-US" sz="2400" b="0" i="1" smtClean="0">
-                                  <a:latin typeface="Cambria Math" panose="02040503050406030204" pitchFamily="18" charset="0"/>
-                                </a:rPr>
-                                <m:t>𝛼</m:t>
-                              </m:r>
-                            </m:e>
-                            <m:sub>
-                              <m:r>
-                                <a:rPr lang="en-US" sz="2400" b="0" i="1" smtClean="0">
-                                  <a:latin typeface="Cambria Math" panose="02040503050406030204" pitchFamily="18" charset="0"/>
-                                </a:rPr>
-                                <m:t>𝑖𝑗</m:t>
-                              </m:r>
-                            </m:sub>
-                          </m:sSub>
-                          <m:sSub>
-                            <m:sSubPr>
-                              <m:ctrlPr>
-                                <a:rPr lang="en-US" sz="2400" b="0" i="1" smtClean="0">
-                                  <a:latin typeface="Cambria Math" panose="02040503050406030204" pitchFamily="18" charset="0"/>
-                                </a:rPr>
-                              </m:ctrlPr>
-                            </m:sSubPr>
-                            <m:e>
-                              <m:r>
-                                <a:rPr lang="en-US" sz="2400" b="0" i="1" smtClean="0">
-                                  <a:latin typeface="Cambria Math" panose="02040503050406030204" pitchFamily="18" charset="0"/>
-                                </a:rPr>
-                                <m:t>h</m:t>
-                              </m:r>
-                            </m:e>
-                            <m:sub>
-                              <m:r>
-                                <a:rPr lang="en-US" sz="2400" b="0" i="1" smtClean="0">
-                                  <a:latin typeface="Cambria Math" panose="02040503050406030204" pitchFamily="18" charset="0"/>
-                                </a:rPr>
-                                <m:t>𝑗</m:t>
-                              </m:r>
-                            </m:sub>
-                          </m:sSub>
-                        </m:e>
-                      </m:nary>
-                    </m:oMath>
-                  </m:oMathPara>
-                </a14:m>
-                <a:endParaRPr lang="en-US" sz="2400" b="0" i="1" dirty="0">
-                  <a:latin typeface="Cambria Math" panose="02040503050406030204" pitchFamily="18" charset="0"/>
-                </a:endParaRPr>
-              </a:p>
-              <a:p>
-                <a:pPr marL="0" indent="0">
-                  <a:buNone/>
-                </a:pPr>
-                <a14:m>
-                  <m:oMathPara xmlns:m="http://schemas.openxmlformats.org/officeDocument/2006/math">
-                    <m:oMathParaPr>
-                      <m:jc m:val="centerGroup"/>
-                    </m:oMathParaPr>
-                    <m:oMath xmlns:m="http://schemas.openxmlformats.org/officeDocument/2006/math">
-                      <m:sSub>
-                        <m:sSubPr>
-                          <m:ctrlPr>
-                            <a:rPr lang="en-US" sz="2400" b="0" i="1" smtClean="0">
-                              <a:latin typeface="Cambria Math" panose="02040503050406030204" pitchFamily="18" charset="0"/>
-                            </a:rPr>
-                          </m:ctrlPr>
-                        </m:sSubPr>
-                        <m:e>
-                          <m:r>
-                            <a:rPr lang="en-US" sz="2400" b="0" i="1" smtClean="0">
-                              <a:latin typeface="Cambria Math" panose="02040503050406030204" pitchFamily="18" charset="0"/>
-                            </a:rPr>
-                            <m:t>𝛼</m:t>
-                          </m:r>
-                        </m:e>
-                        <m:sub>
-                          <m:r>
-                            <a:rPr lang="en-US" sz="2400" b="0" i="1" smtClean="0">
-                              <a:latin typeface="Cambria Math" panose="02040503050406030204" pitchFamily="18" charset="0"/>
-                            </a:rPr>
-                            <m:t>𝑖𝑗</m:t>
-                          </m:r>
-                        </m:sub>
-                      </m:sSub>
-                      <m:r>
-                        <a:rPr lang="en-US" sz="2400" b="0" i="1" smtClean="0">
-                          <a:latin typeface="Cambria Math" panose="02040503050406030204" pitchFamily="18" charset="0"/>
-                        </a:rPr>
-                        <m:t>=</m:t>
-                      </m:r>
-                      <m:r>
-                        <a:rPr lang="en-US" sz="2400" b="0" i="1" smtClean="0">
-                          <a:latin typeface="Cambria Math" panose="02040503050406030204" pitchFamily="18" charset="0"/>
-                        </a:rPr>
-                        <m:t>𝑠𝑜𝑓𝑡𝑚𝑎𝑥</m:t>
-                      </m:r>
-                      <m:r>
-                        <a:rPr lang="en-US" sz="2400" b="0" i="1" smtClean="0">
-                          <a:latin typeface="Cambria Math" panose="02040503050406030204" pitchFamily="18" charset="0"/>
-                        </a:rPr>
-                        <m:t>(</m:t>
-                      </m:r>
-                      <m:sSub>
-                        <m:sSubPr>
-                          <m:ctrlPr>
-                            <a:rPr lang="en-US" sz="2400" b="0" i="1" smtClean="0">
-                              <a:latin typeface="Cambria Math" panose="02040503050406030204" pitchFamily="18" charset="0"/>
-                            </a:rPr>
-                          </m:ctrlPr>
-                        </m:sSubPr>
-                        <m:e>
-                          <m:r>
-                            <a:rPr lang="en-US" sz="2400" b="0" i="1" smtClean="0">
-                              <a:latin typeface="Cambria Math" panose="02040503050406030204" pitchFamily="18" charset="0"/>
-                            </a:rPr>
-                            <m:t>𝑒</m:t>
-                          </m:r>
-                        </m:e>
-                        <m:sub>
-                          <m:r>
-                            <a:rPr lang="en-US" sz="2400" b="0" i="1" smtClean="0">
-                              <a:latin typeface="Cambria Math" panose="02040503050406030204" pitchFamily="18" charset="0"/>
-                            </a:rPr>
-                            <m:t>𝑖𝑗</m:t>
-                          </m:r>
-                        </m:sub>
-                      </m:sSub>
-                      <m:r>
-                        <a:rPr lang="en-US" sz="2400" b="0" i="1" smtClean="0">
-                          <a:latin typeface="Cambria Math" panose="02040503050406030204" pitchFamily="18" charset="0"/>
-                        </a:rPr>
-                        <m:t>)</m:t>
-                      </m:r>
-                    </m:oMath>
-                  </m:oMathPara>
-                </a14:m>
-                <a:endParaRPr lang="en-US" sz="2400" dirty="0"/>
-              </a:p>
-            </p:txBody>
-          </p:sp>
-        </mc:Choice>
-        <mc:Fallback>
-          <p:sp>
-            <p:nvSpPr>
-              <p:cNvPr id="3" name="Content Placeholder 2">
-                <a:extLst>
-                  <a:ext uri="{FF2B5EF4-FFF2-40B4-BE49-F238E27FC236}">
-                    <a16:creationId xmlns:a16="http://schemas.microsoft.com/office/drawing/2014/main" id="{26AEE493-2925-4569-B4CD-B6B84050BD4D}"/>
-                  </a:ext>
-                </a:extLst>
-              </p:cNvPr>
-              <p:cNvSpPr>
-                <a:spLocks noGrp="1" noRot="1" noChangeAspect="1" noMove="1" noResize="1" noEditPoints="1" noAdjustHandles="1" noChangeArrowheads="1" noChangeShapeType="1" noTextEdit="1"/>
-              </p:cNvSpPr>
-              <p:nvPr>
-                <p:ph idx="1"/>
-              </p:nvPr>
-            </p:nvSpPr>
-            <p:spPr>
-              <a:xfrm>
-                <a:off x="838200" y="1825625"/>
-                <a:ext cx="7013594" cy="4351338"/>
-              </a:xfrm>
-              <a:blipFill>
-                <a:blip r:embed="rId2"/>
-                <a:stretch>
-                  <a:fillRect l="-1217" t="-1961" r="-1913"/>
-                </a:stretch>
-              </a:blipFill>
-            </p:spPr>
-            <p:txBody>
-              <a:bodyPr/>
-              <a:lstStyle/>
-              <a:p>
-                <a:r>
-                  <a:rPr lang="en-US">
-                    <a:noFill/>
-                  </a:rPr>
-                  <a:t> </a:t>
-                </a:r>
-              </a:p>
-            </p:txBody>
-          </p:sp>
-        </mc:Fallback>
-      </mc:AlternateContent>
-      <p:sp>
-        <p:nvSpPr>
-          <p:cNvPr id="4" name="Slide Number Placeholder 3">
-            <a:extLst>
-              <a:ext uri="{FF2B5EF4-FFF2-40B4-BE49-F238E27FC236}">
-                <a16:creationId xmlns:a16="http://schemas.microsoft.com/office/drawing/2014/main" id="{7BB802C3-B2ED-4974-BD56-BA54FB3CC275}"/>
-              </a:ext>
-            </a:extLst>
-          </p:cNvPr>
-          <p:cNvSpPr>
-            <a:spLocks noGrp="1"/>
-          </p:cNvSpPr>
-          <p:nvPr>
-            <p:ph type="sldNum" sz="quarter" idx="12"/>
-          </p:nvPr>
-        </p:nvSpPr>
-        <p:spPr/>
-        <p:txBody>
-          <a:bodyPr/>
-          <a:lstStyle/>
-          <a:p>
-            <a:fld id="{17214B29-2612-49B7-BCD5-5B417A3C392C}" type="slidenum">
-              <a:rPr lang="en-US" smtClean="0"/>
-              <a:t>3</a:t>
-            </a:fld>
-            <a:endParaRPr lang="en-US"/>
-          </a:p>
-        </p:txBody>
-      </p:sp>
-      <p:pic>
-        <p:nvPicPr>
-          <p:cNvPr id="6" name="Picture 5">
-            <a:extLst>
-              <a:ext uri="{FF2B5EF4-FFF2-40B4-BE49-F238E27FC236}">
-                <a16:creationId xmlns:a16="http://schemas.microsoft.com/office/drawing/2014/main" id="{423D0A32-2DA2-4E51-8956-180C05DE7954}"/>
-              </a:ext>
-            </a:extLst>
-          </p:cNvPr>
-          <p:cNvPicPr>
-            <a:picLocks noChangeAspect="1"/>
-          </p:cNvPicPr>
-          <p:nvPr/>
-        </p:nvPicPr>
-        <p:blipFill>
-          <a:blip r:embed="rId3"/>
-          <a:stretch>
-            <a:fillRect/>
-          </a:stretch>
-        </p:blipFill>
-        <p:spPr>
-          <a:xfrm>
-            <a:off x="8325464" y="1604793"/>
-            <a:ext cx="3313472" cy="4472622"/>
-          </a:xfrm>
-          <a:prstGeom prst="rect">
-            <a:avLst/>
-          </a:prstGeom>
-        </p:spPr>
-      </p:pic>
-    </p:spTree>
-    <p:extLst>
-      <p:ext uri="{BB962C8B-B14F-4D97-AF65-F5344CB8AC3E}">
-        <p14:creationId xmlns:p14="http://schemas.microsoft.com/office/powerpoint/2010/main" val="2059420120"/>
-      </p:ext>
-    </p:extLst>
-  </p:cSld>
-  <p:clrMapOvr>
-    <a:masterClrMapping/>
-  </p:clrMapOvr>
-</p:sld>
-</file>
-
-<file path=ppt/slides/slide4.xml><?xml version="1.0" encoding="utf-8"?>
-<p:sld xmlns:a="http://schemas.openxmlformats.org/drawingml/2006/main" xmlns:r="http://schemas.openxmlformats.org/officeDocument/2006/relationships" xmlns:p="http://schemas.openxmlformats.org/presentationml/2006/main">
-  <p:cSld>
-    <p:spTree>
-      <p:nvGrpSpPr>
-        <p:cNvPr id="1" name=""/>
-        <p:cNvGrpSpPr/>
-        <p:nvPr/>
-      </p:nvGrpSpPr>
-      <p:grpSpPr>
-        <a:xfrm>
-          <a:off x="0" y="0"/>
-          <a:ext cx="0" cy="0"/>
-          <a:chOff x="0" y="0"/>
-          <a:chExt cx="0" cy="0"/>
-        </a:xfrm>
-      </p:grpSpPr>
-      <p:sp>
-        <p:nvSpPr>
-          <p:cNvPr id="2" name="Title 1">
-            <a:extLst>
-              <a:ext uri="{FF2B5EF4-FFF2-40B4-BE49-F238E27FC236}">
-                <a16:creationId xmlns:a16="http://schemas.microsoft.com/office/drawing/2014/main" id="{2EA46EF3-58CC-4A53-B793-C9F77107E807}"/>
-              </a:ext>
-            </a:extLst>
-          </p:cNvPr>
-          <p:cNvSpPr>
-            <a:spLocks noGrp="1"/>
-          </p:cNvSpPr>
-          <p:nvPr>
-            <p:ph type="title"/>
-          </p:nvPr>
-        </p:nvSpPr>
-        <p:spPr/>
-        <p:txBody>
-          <a:bodyPr/>
-          <a:lstStyle/>
-          <a:p>
-            <a:r>
-              <a:rPr lang="en-US" dirty="0"/>
-              <a:t>An Example of Global Attention [2]</a:t>
-            </a:r>
-          </a:p>
-        </p:txBody>
-      </p:sp>
-      <p:sp>
-        <p:nvSpPr>
-          <p:cNvPr id="3" name="Content Placeholder 2">
-            <a:extLst>
-              <a:ext uri="{FF2B5EF4-FFF2-40B4-BE49-F238E27FC236}">
-                <a16:creationId xmlns:a16="http://schemas.microsoft.com/office/drawing/2014/main" id="{26AEE493-2925-4569-B4CD-B6B84050BD4D}"/>
-              </a:ext>
-            </a:extLst>
-          </p:cNvPr>
-          <p:cNvSpPr>
-            <a:spLocks noGrp="1"/>
-          </p:cNvSpPr>
-          <p:nvPr>
-            <p:ph idx="1"/>
-          </p:nvPr>
-        </p:nvSpPr>
-        <p:spPr>
-          <a:xfrm>
-            <a:off x="838199" y="1578634"/>
-            <a:ext cx="10868311" cy="4598329"/>
-          </a:xfrm>
-        </p:spPr>
-        <p:txBody>
-          <a:bodyPr>
-            <a:normAutofit/>
-          </a:bodyPr>
-          <a:lstStyle/>
-          <a:p>
-            <a:pPr>
-              <a:spcAft>
-                <a:spcPts val="1200"/>
-              </a:spcAft>
-            </a:pPr>
-            <a:r>
-              <a:rPr lang="en-US" sz="2400" dirty="0"/>
-              <a:t>Examples of Normalized alignments between input (x-axis) and generated sentences </a:t>
-            </a:r>
-          </a:p>
-        </p:txBody>
-      </p:sp>
-      <p:sp>
-        <p:nvSpPr>
-          <p:cNvPr id="4" name="Slide Number Placeholder 3">
-            <a:extLst>
-              <a:ext uri="{FF2B5EF4-FFF2-40B4-BE49-F238E27FC236}">
-                <a16:creationId xmlns:a16="http://schemas.microsoft.com/office/drawing/2014/main" id="{7BB802C3-B2ED-4974-BD56-BA54FB3CC275}"/>
-              </a:ext>
-            </a:extLst>
-          </p:cNvPr>
-          <p:cNvSpPr>
-            <a:spLocks noGrp="1"/>
-          </p:cNvSpPr>
-          <p:nvPr>
-            <p:ph type="sldNum" sz="quarter" idx="12"/>
-          </p:nvPr>
-        </p:nvSpPr>
-        <p:spPr/>
-        <p:txBody>
-          <a:bodyPr/>
-          <a:lstStyle/>
-          <a:p>
-            <a:fld id="{17214B29-2612-49B7-BCD5-5B417A3C392C}" type="slidenum">
-              <a:rPr lang="en-US" smtClean="0"/>
-              <a:t>4</a:t>
-            </a:fld>
-            <a:endParaRPr lang="en-US"/>
-          </a:p>
-        </p:txBody>
-      </p:sp>
-      <p:pic>
-        <p:nvPicPr>
-          <p:cNvPr id="8" name="Picture 7">
-            <a:extLst>
-              <a:ext uri="{FF2B5EF4-FFF2-40B4-BE49-F238E27FC236}">
-                <a16:creationId xmlns:a16="http://schemas.microsoft.com/office/drawing/2014/main" id="{2D7AEBBA-9DDC-4D0B-8D78-EF5D0DA552F8}"/>
-              </a:ext>
-            </a:extLst>
-          </p:cNvPr>
-          <p:cNvPicPr>
-            <a:picLocks noChangeAspect="1"/>
-          </p:cNvPicPr>
-          <p:nvPr/>
-        </p:nvPicPr>
-        <p:blipFill>
-          <a:blip r:embed="rId2"/>
-          <a:stretch>
-            <a:fillRect/>
-          </a:stretch>
-        </p:blipFill>
-        <p:spPr>
-          <a:xfrm>
-            <a:off x="1828800" y="2302514"/>
-            <a:ext cx="8382913" cy="4058176"/>
-          </a:xfrm>
-          <a:prstGeom prst="rect">
-            <a:avLst/>
-          </a:prstGeom>
-        </p:spPr>
-      </p:pic>
-    </p:spTree>
-    <p:extLst>
-      <p:ext uri="{BB962C8B-B14F-4D97-AF65-F5344CB8AC3E}">
-        <p14:creationId xmlns:p14="http://schemas.microsoft.com/office/powerpoint/2010/main" val="1563529817"/>
-      </p:ext>
-    </p:extLst>
-  </p:cSld>
-  <p:clrMapOvr>
-    <a:masterClrMapping/>
-  </p:clrMapOvr>
-</p:sld>
-</file>
-
-<file path=ppt/slides/slide5.xml><?xml version="1.0" encoding="utf-8"?>
-<p:sld xmlns:a="http://schemas.openxmlformats.org/drawingml/2006/main" xmlns:r="http://schemas.openxmlformats.org/officeDocument/2006/relationships" xmlns:p="http://schemas.openxmlformats.org/presentationml/2006/main">
-  <p:cSld>
-    <p:spTree>
-      <p:nvGrpSpPr>
-        <p:cNvPr id="1" name=""/>
-        <p:cNvGrpSpPr/>
-        <p:nvPr/>
-      </p:nvGrpSpPr>
-      <p:grpSpPr>
-        <a:xfrm>
-          <a:off x="0" y="0"/>
-          <a:ext cx="0" cy="0"/>
-          <a:chOff x="0" y="0"/>
-          <a:chExt cx="0" cy="0"/>
-        </a:xfrm>
-      </p:grpSpPr>
-      <p:pic>
-        <p:nvPicPr>
-          <p:cNvPr id="2050" name="Picture 2">
-            <a:extLst>
-              <a:ext uri="{FF2B5EF4-FFF2-40B4-BE49-F238E27FC236}">
-                <a16:creationId xmlns:a16="http://schemas.microsoft.com/office/drawing/2014/main" id="{65A11CE8-1514-5E2D-3358-83AC6E085259}"/>
-              </a:ext>
-            </a:extLst>
-          </p:cNvPr>
-          <p:cNvPicPr>
-            <a:picLocks noChangeAspect="1" noChangeArrowheads="1"/>
-          </p:cNvPicPr>
-          <p:nvPr/>
-        </p:nvPicPr>
-        <p:blipFill>
-          <a:blip r:embed="rId2">
-            <a:extLst>
-              <a:ext uri="{28A0092B-C50C-407E-A947-70E740481C1C}">
-                <a14:useLocalDpi xmlns:a14="http://schemas.microsoft.com/office/drawing/2010/main" val="0"/>
-              </a:ext>
-            </a:extLst>
-          </a:blip>
-          <a:srcRect/>
-          <a:stretch>
-            <a:fillRect/>
-          </a:stretch>
-        </p:blipFill>
-        <p:spPr bwMode="auto">
-          <a:xfrm>
-            <a:off x="3537857" y="1849695"/>
-            <a:ext cx="4231817" cy="4964246"/>
-          </a:xfrm>
-          <a:prstGeom prst="rect">
-            <a:avLst/>
-          </a:prstGeom>
-          <a:noFill/>
-          <a:extLst>
-            <a:ext uri="{909E8E84-426E-40DD-AFC4-6F175D3DCCD1}">
-              <a14:hiddenFill xmlns:a14="http://schemas.microsoft.com/office/drawing/2010/main">
-                <a:solidFill>
-                  <a:srgbClr val="FFFFFF"/>
-                </a:solidFill>
-              </a14:hiddenFill>
-            </a:ext>
-          </a:extLst>
-        </p:spPr>
-      </p:pic>
-      <p:sp>
-        <p:nvSpPr>
-          <p:cNvPr id="2" name="Title 1">
-            <a:extLst>
-              <a:ext uri="{FF2B5EF4-FFF2-40B4-BE49-F238E27FC236}">
-                <a16:creationId xmlns:a16="http://schemas.microsoft.com/office/drawing/2014/main" id="{7E4F19E5-DCB3-4318-AEEA-AD41A70CF8CB}"/>
-              </a:ext>
-            </a:extLst>
-          </p:cNvPr>
-          <p:cNvSpPr>
-            <a:spLocks noGrp="1"/>
-          </p:cNvSpPr>
-          <p:nvPr>
-            <p:ph type="title"/>
-          </p:nvPr>
-        </p:nvSpPr>
-        <p:spPr/>
-        <p:txBody>
-          <a:bodyPr/>
-          <a:lstStyle/>
-          <a:p>
-            <a:r>
-              <a:rPr lang="en-US" dirty="0"/>
-              <a:t>Transformers – Model [3,4]</a:t>
-            </a:r>
-          </a:p>
-        </p:txBody>
-      </p:sp>
-      <p:sp>
-        <p:nvSpPr>
-          <p:cNvPr id="3" name="Content Placeholder 2">
-            <a:extLst>
-              <a:ext uri="{FF2B5EF4-FFF2-40B4-BE49-F238E27FC236}">
-                <a16:creationId xmlns:a16="http://schemas.microsoft.com/office/drawing/2014/main" id="{966FAD1C-77FE-4FF3-A363-4402AFC53D85}"/>
-              </a:ext>
-            </a:extLst>
-          </p:cNvPr>
-          <p:cNvSpPr>
-            <a:spLocks noGrp="1"/>
-          </p:cNvSpPr>
-          <p:nvPr>
-            <p:ph idx="1"/>
-          </p:nvPr>
-        </p:nvSpPr>
-        <p:spPr>
-          <a:xfrm>
-            <a:off x="838200" y="1690688"/>
-            <a:ext cx="5159829" cy="4758127"/>
-          </a:xfrm>
-        </p:spPr>
-        <p:txBody>
-          <a:bodyPr>
-            <a:normAutofit/>
-          </a:bodyPr>
-          <a:lstStyle/>
-          <a:p>
-            <a:r>
-              <a:rPr lang="en-US" dirty="0"/>
-              <a:t>Consists of an encoding / decoding architecture</a:t>
-            </a:r>
-          </a:p>
-          <a:p>
-            <a:pPr marL="0" indent="0">
-              <a:buNone/>
-            </a:pPr>
-            <a:endParaRPr lang="en-US" dirty="0"/>
-          </a:p>
-        </p:txBody>
-      </p:sp>
-      <p:sp>
-        <p:nvSpPr>
-          <p:cNvPr id="4" name="Slide Number Placeholder 3">
-            <a:extLst>
-              <a:ext uri="{FF2B5EF4-FFF2-40B4-BE49-F238E27FC236}">
-                <a16:creationId xmlns:a16="http://schemas.microsoft.com/office/drawing/2014/main" id="{E989CF12-AB08-407C-B037-D420F44A96AA}"/>
-              </a:ext>
-            </a:extLst>
-          </p:cNvPr>
-          <p:cNvSpPr>
-            <a:spLocks noGrp="1"/>
-          </p:cNvSpPr>
-          <p:nvPr>
-            <p:ph type="sldNum" sz="quarter" idx="12"/>
-          </p:nvPr>
-        </p:nvSpPr>
-        <p:spPr/>
-        <p:txBody>
-          <a:bodyPr/>
-          <a:lstStyle/>
-          <a:p>
-            <a:fld id="{17214B29-2612-49B7-BCD5-5B417A3C392C}" type="slidenum">
-              <a:rPr lang="en-US" smtClean="0"/>
-              <a:t>5</a:t>
-            </a:fld>
-            <a:endParaRPr lang="en-US"/>
-          </a:p>
-        </p:txBody>
-      </p:sp>
-      <p:pic>
-        <p:nvPicPr>
-          <p:cNvPr id="7" name="Picture 6"/>
-          <p:cNvPicPr>
-            <a:picLocks noChangeAspect="1"/>
-          </p:cNvPicPr>
-          <p:nvPr/>
-        </p:nvPicPr>
-        <p:blipFill>
-          <a:blip r:embed="rId3"/>
-          <a:stretch>
-            <a:fillRect/>
-          </a:stretch>
-        </p:blipFill>
-        <p:spPr>
-          <a:xfrm>
-            <a:off x="7898281" y="821596"/>
-            <a:ext cx="4088936" cy="6036404"/>
-          </a:xfrm>
-          <a:prstGeom prst="rect">
-            <a:avLst/>
-          </a:prstGeom>
-        </p:spPr>
-      </p:pic>
-    </p:spTree>
-    <p:extLst>
-      <p:ext uri="{BB962C8B-B14F-4D97-AF65-F5344CB8AC3E}">
-        <p14:creationId xmlns:p14="http://schemas.microsoft.com/office/powerpoint/2010/main" val="186432248"/>
-      </p:ext>
-    </p:extLst>
-  </p:cSld>
-  <p:clrMapOvr>
-    <a:masterClrMapping/>
-  </p:clrMapOvr>
-</p:sld>
-</file>
-
-<file path=ppt/slides/slide6.xml><?xml version="1.0" encoding="utf-8"?>
-<p:sld xmlns:a="http://schemas.openxmlformats.org/drawingml/2006/main" xmlns:r="http://schemas.openxmlformats.org/officeDocument/2006/relationships" xmlns:p="http://schemas.openxmlformats.org/presentationml/2006/main">
-  <p:cSld>
-    <p:spTree>
-      <p:nvGrpSpPr>
-        <p:cNvPr id="1" name=""/>
-        <p:cNvGrpSpPr/>
-        <p:nvPr/>
-      </p:nvGrpSpPr>
-      <p:grpSpPr>
-        <a:xfrm>
-          <a:off x="0" y="0"/>
-          <a:ext cx="0" cy="0"/>
-          <a:chOff x="0" y="0"/>
-          <a:chExt cx="0" cy="0"/>
-        </a:xfrm>
-      </p:grpSpPr>
-      <p:sp>
-        <p:nvSpPr>
-          <p:cNvPr id="2" name="Title 1">
-            <a:extLst>
-              <a:ext uri="{FF2B5EF4-FFF2-40B4-BE49-F238E27FC236}">
-                <a16:creationId xmlns:a16="http://schemas.microsoft.com/office/drawing/2014/main" id="{6655A8A6-5672-0E14-5176-CF4CE54C2898}"/>
-              </a:ext>
-            </a:extLst>
-          </p:cNvPr>
-          <p:cNvSpPr>
-            <a:spLocks noGrp="1"/>
-          </p:cNvSpPr>
-          <p:nvPr>
-            <p:ph type="title"/>
-          </p:nvPr>
-        </p:nvSpPr>
-        <p:spPr>
-          <a:xfrm>
-            <a:off x="838199" y="365125"/>
-            <a:ext cx="10686691" cy="1325563"/>
-          </a:xfrm>
-        </p:spPr>
-        <p:txBody>
-          <a:bodyPr>
-            <a:normAutofit/>
-          </a:bodyPr>
-          <a:lstStyle/>
-          <a:p>
-            <a:r>
-              <a:rPr lang="en-US" dirty="0"/>
-              <a:t>Bleu (Bilingual Evaluation Understudy) Score</a:t>
-            </a:r>
-          </a:p>
-        </p:txBody>
-      </p:sp>
-      <p:sp>
-        <p:nvSpPr>
-          <p:cNvPr id="3" name="Content Placeholder 2">
-            <a:extLst>
-              <a:ext uri="{FF2B5EF4-FFF2-40B4-BE49-F238E27FC236}">
-                <a16:creationId xmlns:a16="http://schemas.microsoft.com/office/drawing/2014/main" id="{81D2D611-7761-484D-98B9-9715085BB748}"/>
-              </a:ext>
-            </a:extLst>
-          </p:cNvPr>
-          <p:cNvSpPr>
-            <a:spLocks noGrp="1"/>
-          </p:cNvSpPr>
-          <p:nvPr>
-            <p:ph idx="1"/>
-          </p:nvPr>
-        </p:nvSpPr>
-        <p:spPr/>
-        <p:txBody>
-          <a:bodyPr/>
-          <a:lstStyle/>
-          <a:p>
-            <a:r>
-              <a:rPr lang="en-US" dirty="0"/>
-              <a:t>It is a weighted version of the geometric average of n-grams:</a:t>
-            </a:r>
-          </a:p>
-          <a:p>
-            <a:endParaRPr lang="en-US" dirty="0"/>
-          </a:p>
-          <a:p>
-            <a:pPr indent="0">
-              <a:buNone/>
-            </a:pPr>
-            <a:r>
-              <a:rPr lang="en-US" dirty="0"/>
-              <a:t>where</a:t>
-            </a:r>
-          </a:p>
-          <a:p>
-            <a:endParaRPr lang="en-US" dirty="0"/>
-          </a:p>
-          <a:p>
-            <a:endParaRPr lang="en-US" dirty="0"/>
-          </a:p>
-          <a:p>
-            <a:endParaRPr lang="en-US" dirty="0"/>
-          </a:p>
-          <a:p>
-            <a:endParaRPr lang="en-US" dirty="0"/>
-          </a:p>
-        </p:txBody>
-      </p:sp>
-      <p:sp>
-        <p:nvSpPr>
-          <p:cNvPr id="4" name="Slide Number Placeholder 3">
-            <a:extLst>
-              <a:ext uri="{FF2B5EF4-FFF2-40B4-BE49-F238E27FC236}">
-                <a16:creationId xmlns:a16="http://schemas.microsoft.com/office/drawing/2014/main" id="{426AF488-44D5-FF5B-8EDB-F2ABFF450F0F}"/>
-              </a:ext>
-            </a:extLst>
-          </p:cNvPr>
-          <p:cNvSpPr>
-            <a:spLocks noGrp="1"/>
-          </p:cNvSpPr>
-          <p:nvPr>
-            <p:ph type="sldNum" sz="quarter" idx="12"/>
-          </p:nvPr>
-        </p:nvSpPr>
-        <p:spPr/>
-        <p:txBody>
-          <a:bodyPr/>
-          <a:lstStyle/>
-          <a:p>
-            <a:fld id="{17214B29-2612-49B7-BCD5-5B417A3C392C}" type="slidenum">
-              <a:rPr lang="en-US" smtClean="0"/>
-              <a:t>6</a:t>
-            </a:fld>
-            <a:endParaRPr lang="en-US"/>
-          </a:p>
-        </p:txBody>
-      </p:sp>
-      <p:pic>
-        <p:nvPicPr>
-          <p:cNvPr id="4108" name="Picture 12">
-            <a:extLst>
-              <a:ext uri="{FF2B5EF4-FFF2-40B4-BE49-F238E27FC236}">
-                <a16:creationId xmlns:a16="http://schemas.microsoft.com/office/drawing/2014/main" id="{ABAE5611-3C8C-C57E-BCC6-8150E90A8504}"/>
-              </a:ext>
-            </a:extLst>
-          </p:cNvPr>
-          <p:cNvPicPr>
-            <a:picLocks noChangeAspect="1" noChangeArrowheads="1"/>
-          </p:cNvPicPr>
-          <p:nvPr/>
-        </p:nvPicPr>
-        <p:blipFill>
-          <a:blip r:embed="rId2">
-            <a:extLst>
-              <a:ext uri="{28A0092B-C50C-407E-A947-70E740481C1C}">
-                <a14:useLocalDpi xmlns:a14="http://schemas.microsoft.com/office/drawing/2010/main" val="0"/>
-              </a:ext>
-            </a:extLst>
-          </a:blip>
-          <a:srcRect/>
-          <a:stretch>
-            <a:fillRect/>
-          </a:stretch>
-        </p:blipFill>
-        <p:spPr bwMode="auto">
-          <a:xfrm>
-            <a:off x="4697867" y="3082248"/>
-            <a:ext cx="6581775" cy="1905000"/>
-          </a:xfrm>
-          <a:prstGeom prst="rect">
-            <a:avLst/>
-          </a:prstGeom>
-          <a:noFill/>
-          <a:extLst>
-            <a:ext uri="{909E8E84-426E-40DD-AFC4-6F175D3DCCD1}">
-              <a14:hiddenFill xmlns:a14="http://schemas.microsoft.com/office/drawing/2010/main">
-                <a:solidFill>
-                  <a:srgbClr val="FFFFFF"/>
-                </a:solidFill>
-              </a14:hiddenFill>
-            </a:ext>
-          </a:extLst>
-        </p:spPr>
-      </p:pic>
-      <p:pic>
-        <p:nvPicPr>
-          <p:cNvPr id="4112" name="Picture 16">
-            <a:extLst>
-              <a:ext uri="{FF2B5EF4-FFF2-40B4-BE49-F238E27FC236}">
-                <a16:creationId xmlns:a16="http://schemas.microsoft.com/office/drawing/2014/main" id="{0594B2EB-9B6F-1C6C-732C-03E5599653CA}"/>
-              </a:ext>
-            </a:extLst>
-          </p:cNvPr>
-          <p:cNvPicPr>
-            <a:picLocks noChangeAspect="1" noChangeArrowheads="1"/>
-          </p:cNvPicPr>
-          <p:nvPr/>
-        </p:nvPicPr>
-        <p:blipFill>
-          <a:blip r:embed="rId3">
-            <a:extLst>
-              <a:ext uri="{28A0092B-C50C-407E-A947-70E740481C1C}">
-                <a14:useLocalDpi xmlns:a14="http://schemas.microsoft.com/office/drawing/2010/main" val="0"/>
-              </a:ext>
-            </a:extLst>
-          </a:blip>
-          <a:srcRect/>
-          <a:stretch>
-            <a:fillRect/>
-          </a:stretch>
-        </p:blipFill>
-        <p:spPr bwMode="auto">
-          <a:xfrm>
-            <a:off x="2743881" y="2264229"/>
-            <a:ext cx="7109732" cy="398145"/>
-          </a:xfrm>
-          <a:prstGeom prst="rect">
-            <a:avLst/>
-          </a:prstGeom>
-          <a:noFill/>
-          <a:extLst>
-            <a:ext uri="{909E8E84-426E-40DD-AFC4-6F175D3DCCD1}">
-              <a14:hiddenFill xmlns:a14="http://schemas.microsoft.com/office/drawing/2010/main">
-                <a:solidFill>
-                  <a:srgbClr val="FFFFFF"/>
-                </a:solidFill>
-              </a14:hiddenFill>
-            </a:ext>
-          </a:extLst>
-        </p:spPr>
-      </p:pic>
-      <p:pic>
-        <p:nvPicPr>
-          <p:cNvPr id="6" name="Picture 5">
-            <a:extLst>
-              <a:ext uri="{FF2B5EF4-FFF2-40B4-BE49-F238E27FC236}">
-                <a16:creationId xmlns:a16="http://schemas.microsoft.com/office/drawing/2014/main" id="{2C51BB66-3E32-AF48-1909-FE8B312709AC}"/>
-              </a:ext>
-            </a:extLst>
-          </p:cNvPr>
-          <p:cNvPicPr>
-            <a:picLocks noChangeAspect="1"/>
-          </p:cNvPicPr>
-          <p:nvPr/>
-        </p:nvPicPr>
-        <p:blipFill>
-          <a:blip r:embed="rId4"/>
-          <a:stretch>
-            <a:fillRect/>
-          </a:stretch>
-        </p:blipFill>
-        <p:spPr>
-          <a:xfrm>
-            <a:off x="1401681" y="4001294"/>
-            <a:ext cx="5728461" cy="2277152"/>
-          </a:xfrm>
-          <a:prstGeom prst="rect">
-            <a:avLst/>
-          </a:prstGeom>
-          <a:ln>
-            <a:solidFill>
-              <a:schemeClr val="tx1"/>
-            </a:solidFill>
-          </a:ln>
-        </p:spPr>
-      </p:pic>
-    </p:spTree>
-    <p:extLst>
-      <p:ext uri="{BB962C8B-B14F-4D97-AF65-F5344CB8AC3E}">
-        <p14:creationId xmlns:p14="http://schemas.microsoft.com/office/powerpoint/2010/main" val="4166467394"/>
-      </p:ext>
-    </p:extLst>
-  </p:cSld>
-  <p:clrMapOvr>
-    <a:masterClrMapping/>
-  </p:clrMapOvr>
-</p:sld>
-</file>
-
-<file path=ppt/slides/slide7.xml><?xml version="1.0" encoding="utf-8"?>
-<p:sld xmlns:a="http://schemas.openxmlformats.org/drawingml/2006/main" xmlns:r="http://schemas.openxmlformats.org/officeDocument/2006/relationships" xmlns:p="http://schemas.openxmlformats.org/presentationml/2006/main">
-  <p:cSld>
-    <p:spTree>
-      <p:nvGrpSpPr>
-        <p:cNvPr id="1" name=""/>
-        <p:cNvGrpSpPr/>
-        <p:nvPr/>
-      </p:nvGrpSpPr>
-      <p:grpSpPr>
-        <a:xfrm>
-          <a:off x="0" y="0"/>
-          <a:ext cx="0" cy="0"/>
-          <a:chOff x="0" y="0"/>
-          <a:chExt cx="0" cy="0"/>
-        </a:xfrm>
-      </p:grpSpPr>
-      <p:sp>
-        <p:nvSpPr>
-          <p:cNvPr id="2" name="Title 1">
-            <a:extLst>
-              <a:ext uri="{FF2B5EF4-FFF2-40B4-BE49-F238E27FC236}">
-                <a16:creationId xmlns:a16="http://schemas.microsoft.com/office/drawing/2014/main" id="{6655A8A6-5672-0E14-5176-CF4CE54C2898}"/>
-              </a:ext>
-            </a:extLst>
-          </p:cNvPr>
-          <p:cNvSpPr>
-            <a:spLocks noGrp="1"/>
-          </p:cNvSpPr>
-          <p:nvPr>
-            <p:ph type="title"/>
-          </p:nvPr>
-        </p:nvSpPr>
-        <p:spPr>
-          <a:xfrm>
-            <a:off x="838199" y="365125"/>
-            <a:ext cx="10660811" cy="1325563"/>
-          </a:xfrm>
-        </p:spPr>
-        <p:txBody>
-          <a:bodyPr>
-            <a:normAutofit/>
-          </a:bodyPr>
-          <a:lstStyle/>
-          <a:p>
-            <a:r>
-              <a:rPr lang="en-US" dirty="0"/>
-              <a:t>Bleu (Bilingual Evaluation Understudy) Score</a:t>
-            </a:r>
-          </a:p>
-        </p:txBody>
-      </p:sp>
-      <p:sp>
-        <p:nvSpPr>
-          <p:cNvPr id="3" name="Content Placeholder 2">
-            <a:extLst>
-              <a:ext uri="{FF2B5EF4-FFF2-40B4-BE49-F238E27FC236}">
-                <a16:creationId xmlns:a16="http://schemas.microsoft.com/office/drawing/2014/main" id="{81D2D611-7761-484D-98B9-9715085BB748}"/>
-              </a:ext>
-            </a:extLst>
-          </p:cNvPr>
-          <p:cNvSpPr>
-            <a:spLocks noGrp="1"/>
-          </p:cNvSpPr>
-          <p:nvPr>
-            <p:ph idx="1"/>
-          </p:nvPr>
-        </p:nvSpPr>
-        <p:spPr/>
-        <p:txBody>
-          <a:bodyPr/>
-          <a:lstStyle/>
-          <a:p>
-            <a:r>
-              <a:rPr lang="en-US" dirty="0"/>
-              <a:t>The precisions are obtained for each N-gram:</a:t>
-            </a:r>
-          </a:p>
-          <a:p>
-            <a:endParaRPr lang="en-US" dirty="0"/>
-          </a:p>
-          <a:p>
-            <a:endParaRPr lang="en-US" dirty="0"/>
-          </a:p>
-          <a:p>
-            <a:endParaRPr lang="en-US" dirty="0"/>
-          </a:p>
-          <a:p>
-            <a:endParaRPr lang="en-US" dirty="0"/>
-          </a:p>
-        </p:txBody>
-      </p:sp>
-      <p:sp>
-        <p:nvSpPr>
-          <p:cNvPr id="4" name="Slide Number Placeholder 3">
-            <a:extLst>
-              <a:ext uri="{FF2B5EF4-FFF2-40B4-BE49-F238E27FC236}">
-                <a16:creationId xmlns:a16="http://schemas.microsoft.com/office/drawing/2014/main" id="{426AF488-44D5-FF5B-8EDB-F2ABFF450F0F}"/>
-              </a:ext>
-            </a:extLst>
-          </p:cNvPr>
-          <p:cNvSpPr>
-            <a:spLocks noGrp="1"/>
-          </p:cNvSpPr>
-          <p:nvPr>
-            <p:ph type="sldNum" sz="quarter" idx="12"/>
-          </p:nvPr>
-        </p:nvSpPr>
-        <p:spPr/>
-        <p:txBody>
-          <a:bodyPr/>
-          <a:lstStyle/>
-          <a:p>
-            <a:fld id="{17214B29-2612-49B7-BCD5-5B417A3C392C}" type="slidenum">
-              <a:rPr lang="en-US" smtClean="0"/>
-              <a:t>7</a:t>
-            </a:fld>
-            <a:endParaRPr lang="en-US"/>
-          </a:p>
-        </p:txBody>
-      </p:sp>
-      <p:pic>
-        <p:nvPicPr>
-          <p:cNvPr id="4100" name="Picture 4">
-            <a:extLst>
-              <a:ext uri="{FF2B5EF4-FFF2-40B4-BE49-F238E27FC236}">
-                <a16:creationId xmlns:a16="http://schemas.microsoft.com/office/drawing/2014/main" id="{47ED0C2F-7AA7-B756-2907-AE0C6980CAA0}"/>
-              </a:ext>
-            </a:extLst>
-          </p:cNvPr>
-          <p:cNvPicPr>
-            <a:picLocks noChangeAspect="1" noChangeArrowheads="1"/>
-          </p:cNvPicPr>
-          <p:nvPr/>
-        </p:nvPicPr>
-        <p:blipFill>
-          <a:blip r:embed="rId2">
-            <a:extLst>
-              <a:ext uri="{28A0092B-C50C-407E-A947-70E740481C1C}">
-                <a14:useLocalDpi xmlns:a14="http://schemas.microsoft.com/office/drawing/2010/main" val="0"/>
-              </a:ext>
-            </a:extLst>
-          </a:blip>
-          <a:srcRect/>
-          <a:stretch>
-            <a:fillRect/>
-          </a:stretch>
-        </p:blipFill>
-        <p:spPr bwMode="auto">
-          <a:xfrm>
-            <a:off x="4281487" y="3758406"/>
-            <a:ext cx="5524500" cy="942975"/>
-          </a:xfrm>
-          <a:prstGeom prst="rect">
-            <a:avLst/>
-          </a:prstGeom>
-          <a:noFill/>
-          <a:extLst>
-            <a:ext uri="{909E8E84-426E-40DD-AFC4-6F175D3DCCD1}">
-              <a14:hiddenFill xmlns:a14="http://schemas.microsoft.com/office/drawing/2010/main">
-                <a:solidFill>
-                  <a:srgbClr val="FFFFFF"/>
-                </a:solidFill>
-              </a14:hiddenFill>
-            </a:ext>
-          </a:extLst>
-        </p:spPr>
-      </p:pic>
-      <p:pic>
-        <p:nvPicPr>
-          <p:cNvPr id="4104" name="Picture 8">
-            <a:extLst>
-              <a:ext uri="{FF2B5EF4-FFF2-40B4-BE49-F238E27FC236}">
-                <a16:creationId xmlns:a16="http://schemas.microsoft.com/office/drawing/2014/main" id="{E540993D-7E83-E327-A41C-4965779796D9}"/>
-              </a:ext>
-            </a:extLst>
-          </p:cNvPr>
-          <p:cNvPicPr>
-            <a:picLocks noChangeAspect="1" noChangeArrowheads="1"/>
-          </p:cNvPicPr>
-          <p:nvPr/>
-        </p:nvPicPr>
-        <p:blipFill>
-          <a:blip r:embed="rId3">
-            <a:extLst>
-              <a:ext uri="{28A0092B-C50C-407E-A947-70E740481C1C}">
-                <a14:useLocalDpi xmlns:a14="http://schemas.microsoft.com/office/drawing/2010/main" val="0"/>
-              </a:ext>
-            </a:extLst>
-          </a:blip>
-          <a:srcRect/>
-          <a:stretch>
-            <a:fillRect/>
-          </a:stretch>
-        </p:blipFill>
-        <p:spPr bwMode="auto">
-          <a:xfrm>
-            <a:off x="4281487" y="2659062"/>
-            <a:ext cx="5610225" cy="676275"/>
-          </a:xfrm>
-          <a:prstGeom prst="rect">
-            <a:avLst/>
-          </a:prstGeom>
-          <a:noFill/>
-          <a:extLst>
-            <a:ext uri="{909E8E84-426E-40DD-AFC4-6F175D3DCCD1}">
-              <a14:hiddenFill xmlns:a14="http://schemas.microsoft.com/office/drawing/2010/main">
-                <a:solidFill>
-                  <a:srgbClr val="FFFFFF"/>
-                </a:solidFill>
-              </a14:hiddenFill>
-            </a:ext>
-          </a:extLst>
-        </p:spPr>
-      </p:pic>
-      <p:pic>
-        <p:nvPicPr>
-          <p:cNvPr id="4106" name="Picture 10">
-            <a:extLst>
-              <a:ext uri="{FF2B5EF4-FFF2-40B4-BE49-F238E27FC236}">
-                <a16:creationId xmlns:a16="http://schemas.microsoft.com/office/drawing/2014/main" id="{35AE7FF8-D5BF-F87B-2F11-D96138DD3550}"/>
-              </a:ext>
-            </a:extLst>
-          </p:cNvPr>
-          <p:cNvPicPr>
-            <a:picLocks noChangeAspect="1" noChangeArrowheads="1"/>
-          </p:cNvPicPr>
-          <p:nvPr/>
-        </p:nvPicPr>
-        <p:blipFill>
-          <a:blip r:embed="rId4">
-            <a:extLst>
-              <a:ext uri="{28A0092B-C50C-407E-A947-70E740481C1C}">
-                <a14:useLocalDpi xmlns:a14="http://schemas.microsoft.com/office/drawing/2010/main" val="0"/>
-              </a:ext>
-            </a:extLst>
-          </a:blip>
-          <a:srcRect/>
-          <a:stretch>
-            <a:fillRect/>
-          </a:stretch>
-        </p:blipFill>
-        <p:spPr bwMode="auto">
-          <a:xfrm>
-            <a:off x="4281487" y="4973234"/>
-            <a:ext cx="5514975" cy="1019175"/>
-          </a:xfrm>
-          <a:prstGeom prst="rect">
-            <a:avLst/>
-          </a:prstGeom>
-          <a:noFill/>
-          <a:extLst>
-            <a:ext uri="{909E8E84-426E-40DD-AFC4-6F175D3DCCD1}">
-              <a14:hiddenFill xmlns:a14="http://schemas.microsoft.com/office/drawing/2010/main">
-                <a:solidFill>
-                  <a:srgbClr val="FFFFFF"/>
-                </a:solidFill>
-              </a14:hiddenFill>
-            </a:ext>
-          </a:extLst>
-        </p:spPr>
-      </p:pic>
-      <p:sp>
-        <p:nvSpPr>
-          <p:cNvPr id="5" name="TextBox 4">
-            <a:extLst>
-              <a:ext uri="{FF2B5EF4-FFF2-40B4-BE49-F238E27FC236}">
-                <a16:creationId xmlns:a16="http://schemas.microsoft.com/office/drawing/2014/main" id="{E56D167A-DC60-3CBE-F7F0-905BF841FB56}"/>
-              </a:ext>
-            </a:extLst>
-          </p:cNvPr>
-          <p:cNvSpPr txBox="1"/>
-          <p:nvPr/>
-        </p:nvSpPr>
-        <p:spPr>
-          <a:xfrm>
-            <a:off x="1405523" y="2812533"/>
-            <a:ext cx="1815305" cy="369332"/>
-          </a:xfrm>
-          <a:prstGeom prst="rect">
-            <a:avLst/>
-          </a:prstGeom>
-          <a:solidFill>
-            <a:schemeClr val="tx1"/>
-          </a:solidFill>
-        </p:spPr>
-        <p:txBody>
-          <a:bodyPr wrap="none" rtlCol="0">
-            <a:spAutoFit/>
-          </a:bodyPr>
-          <a:lstStyle/>
-          <a:p>
-            <a:r>
-              <a:rPr lang="en-US" b="1" dirty="0">
-                <a:solidFill>
-                  <a:schemeClr val="bg1"/>
-                </a:solidFill>
-              </a:rPr>
-              <a:t>1-Gram Precision</a:t>
-            </a:r>
-          </a:p>
-        </p:txBody>
-      </p:sp>
-      <p:sp>
-        <p:nvSpPr>
-          <p:cNvPr id="7" name="TextBox 6">
-            <a:extLst>
-              <a:ext uri="{FF2B5EF4-FFF2-40B4-BE49-F238E27FC236}">
-                <a16:creationId xmlns:a16="http://schemas.microsoft.com/office/drawing/2014/main" id="{815EF5D9-DD69-721A-6F8A-5916B8D76CEC}"/>
-              </a:ext>
-            </a:extLst>
-          </p:cNvPr>
-          <p:cNvSpPr txBox="1"/>
-          <p:nvPr/>
-        </p:nvSpPr>
-        <p:spPr>
-          <a:xfrm>
-            <a:off x="1405522" y="4125416"/>
-            <a:ext cx="1815305" cy="369332"/>
-          </a:xfrm>
-          <a:prstGeom prst="rect">
-            <a:avLst/>
-          </a:prstGeom>
-          <a:solidFill>
-            <a:schemeClr val="tx1"/>
-          </a:solidFill>
-        </p:spPr>
-        <p:txBody>
-          <a:bodyPr wrap="none" rtlCol="0">
-            <a:spAutoFit/>
-          </a:bodyPr>
-          <a:lstStyle/>
-          <a:p>
-            <a:r>
-              <a:rPr lang="en-US" b="1" dirty="0">
-                <a:solidFill>
-                  <a:schemeClr val="bg1"/>
-                </a:solidFill>
-              </a:rPr>
-              <a:t>2-Gram Precision</a:t>
-            </a:r>
-          </a:p>
-        </p:txBody>
-      </p:sp>
-      <p:sp>
-        <p:nvSpPr>
-          <p:cNvPr id="8" name="TextBox 7">
-            <a:extLst>
-              <a:ext uri="{FF2B5EF4-FFF2-40B4-BE49-F238E27FC236}">
-                <a16:creationId xmlns:a16="http://schemas.microsoft.com/office/drawing/2014/main" id="{3BFF7F10-9209-AC82-5498-2CB6567856A1}"/>
-              </a:ext>
-            </a:extLst>
-          </p:cNvPr>
-          <p:cNvSpPr txBox="1"/>
-          <p:nvPr/>
-        </p:nvSpPr>
-        <p:spPr>
-          <a:xfrm>
-            <a:off x="1405521" y="5438299"/>
-            <a:ext cx="1815305" cy="369332"/>
-          </a:xfrm>
-          <a:prstGeom prst="rect">
-            <a:avLst/>
-          </a:prstGeom>
-          <a:solidFill>
-            <a:schemeClr val="tx1"/>
-          </a:solidFill>
-        </p:spPr>
-        <p:txBody>
-          <a:bodyPr wrap="none" rtlCol="0">
-            <a:spAutoFit/>
-          </a:bodyPr>
-          <a:lstStyle/>
-          <a:p>
-            <a:r>
-              <a:rPr lang="en-US" b="1" dirty="0">
-                <a:solidFill>
-                  <a:schemeClr val="bg1"/>
-                </a:solidFill>
-              </a:rPr>
-              <a:t>3-Gram Precision</a:t>
-            </a:r>
-          </a:p>
-        </p:txBody>
-      </p:sp>
-    </p:spTree>
-    <p:extLst>
-      <p:ext uri="{BB962C8B-B14F-4D97-AF65-F5344CB8AC3E}">
-        <p14:creationId xmlns:p14="http://schemas.microsoft.com/office/powerpoint/2010/main" val="2733950166"/>
-      </p:ext>
-    </p:extLst>
-  </p:cSld>
-  <p:clrMapOvr>
-    <a:masterClrMapping/>
-  </p:clrMapOvr>
-</p:sld>
-</file>
-
-<file path=ppt/slides/slide8.xml><?xml version="1.0" encoding="utf-8"?>
-<p:sld xmlns:a="http://schemas.openxmlformats.org/drawingml/2006/main" xmlns:r="http://schemas.openxmlformats.org/officeDocument/2006/relationships" xmlns:p="http://schemas.openxmlformats.org/presentationml/2006/main">
-  <p:cSld>
-    <p:spTree>
-      <p:nvGrpSpPr>
-        <p:cNvPr id="1" name=""/>
-        <p:cNvGrpSpPr/>
-        <p:nvPr/>
-      </p:nvGrpSpPr>
-      <p:grpSpPr>
-        <a:xfrm>
-          <a:off x="0" y="0"/>
-          <a:ext cx="0" cy="0"/>
-          <a:chOff x="0" y="0"/>
-          <a:chExt cx="0" cy="0"/>
-        </a:xfrm>
-      </p:grpSpPr>
-      <p:sp>
-        <p:nvSpPr>
-          <p:cNvPr id="2" name="Title 1"/>
-          <p:cNvSpPr>
-            <a:spLocks noGrp="1"/>
-          </p:cNvSpPr>
-          <p:nvPr>
-            <p:ph type="title"/>
-          </p:nvPr>
-        </p:nvSpPr>
-        <p:spPr/>
-        <p:txBody>
-          <a:bodyPr/>
-          <a:lstStyle/>
-          <a:p>
-            <a:r>
-              <a:rPr lang="en-US" dirty="0"/>
-              <a:t>Transformers – Results [3]</a:t>
-            </a:r>
-          </a:p>
-        </p:txBody>
-      </p:sp>
-      <p:sp>
-        <p:nvSpPr>
-          <p:cNvPr id="3" name="Content Placeholder 2"/>
-          <p:cNvSpPr>
-            <a:spLocks noGrp="1"/>
-          </p:cNvSpPr>
-          <p:nvPr>
-            <p:ph idx="1"/>
-          </p:nvPr>
-        </p:nvSpPr>
-        <p:spPr>
-          <a:xfrm>
-            <a:off x="838199" y="1825625"/>
-            <a:ext cx="10918371" cy="4351338"/>
-          </a:xfrm>
-        </p:spPr>
-        <p:txBody>
-          <a:bodyPr/>
-          <a:lstStyle/>
-          <a:p>
-            <a:r>
-              <a:rPr lang="en-US" dirty="0"/>
-              <a:t>“The Transformer achieves better BLEU scores than previous state-of-the-art models on the English-to-German and English-to-French newstest2014 tests at a fraction of the training cost”</a:t>
-            </a:r>
-          </a:p>
-        </p:txBody>
-      </p:sp>
-      <p:sp>
-        <p:nvSpPr>
-          <p:cNvPr id="4" name="Slide Number Placeholder 3"/>
-          <p:cNvSpPr>
-            <a:spLocks noGrp="1"/>
-          </p:cNvSpPr>
-          <p:nvPr>
-            <p:ph type="sldNum" sz="quarter" idx="12"/>
-          </p:nvPr>
-        </p:nvSpPr>
-        <p:spPr/>
-        <p:txBody>
-          <a:bodyPr/>
-          <a:lstStyle/>
-          <a:p>
-            <a:fld id="{17214B29-2612-49B7-BCD5-5B417A3C392C}" type="slidenum">
-              <a:rPr lang="en-US" smtClean="0"/>
-              <a:t>8</a:t>
-            </a:fld>
-            <a:endParaRPr lang="en-US"/>
-          </a:p>
-        </p:txBody>
-      </p:sp>
-      <p:pic>
-        <p:nvPicPr>
-          <p:cNvPr id="5" name="Picture 4"/>
-          <p:cNvPicPr>
-            <a:picLocks noChangeAspect="1"/>
-          </p:cNvPicPr>
-          <p:nvPr/>
-        </p:nvPicPr>
-        <p:blipFill>
-          <a:blip r:embed="rId2"/>
-          <a:stretch>
-            <a:fillRect/>
-          </a:stretch>
-        </p:blipFill>
-        <p:spPr>
-          <a:xfrm>
-            <a:off x="3421032" y="2702410"/>
-            <a:ext cx="8335538" cy="3610479"/>
-          </a:xfrm>
-          <a:prstGeom prst="rect">
-            <a:avLst/>
-          </a:prstGeom>
-        </p:spPr>
-      </p:pic>
-    </p:spTree>
-    <p:extLst>
-      <p:ext uri="{BB962C8B-B14F-4D97-AF65-F5344CB8AC3E}">
-        <p14:creationId xmlns:p14="http://schemas.microsoft.com/office/powerpoint/2010/main" val="2215927015"/>
-      </p:ext>
-    </p:extLst>
-  </p:cSld>
-  <p:clrMapOvr>
-    <a:masterClrMapping/>
-  </p:clrMapOvr>
-</p:sld>
-</file>
-
-<file path=ppt/slides/slide9.xml><?xml version="1.0" encoding="utf-8"?>
-<p:sld xmlns:a="http://schemas.openxmlformats.org/drawingml/2006/main" xmlns:r="http://schemas.openxmlformats.org/officeDocument/2006/relationships" xmlns:p="http://schemas.openxmlformats.org/presentationml/2006/main">
-  <p:cSld>
-    <p:spTree>
-      <p:nvGrpSpPr>
-        <p:cNvPr id="1" name=""/>
-        <p:cNvGrpSpPr/>
-        <p:nvPr/>
-      </p:nvGrpSpPr>
-      <p:grpSpPr>
-        <a:xfrm>
-          <a:off x="0" y="0"/>
-          <a:ext cx="0" cy="0"/>
-          <a:chOff x="0" y="0"/>
-          <a:chExt cx="0" cy="0"/>
-        </a:xfrm>
-      </p:grpSpPr>
-      <p:sp>
-        <p:nvSpPr>
-          <p:cNvPr id="2" name="Title 1"/>
-          <p:cNvSpPr>
-            <a:spLocks noGrp="1"/>
-          </p:cNvSpPr>
-          <p:nvPr>
-            <p:ph type="title"/>
-          </p:nvPr>
-        </p:nvSpPr>
-        <p:spPr/>
-        <p:txBody>
-          <a:bodyPr/>
-          <a:lstStyle/>
-          <a:p>
-            <a:r>
-              <a:rPr lang="en-US" dirty="0"/>
-              <a:t>Transformers for Image Classification [5]</a:t>
-            </a:r>
-          </a:p>
-        </p:txBody>
-      </p:sp>
-      <p:sp>
-        <p:nvSpPr>
-          <p:cNvPr id="3" name="Content Placeholder 2"/>
-          <p:cNvSpPr>
-            <a:spLocks noGrp="1"/>
-          </p:cNvSpPr>
-          <p:nvPr>
-            <p:ph idx="1"/>
-          </p:nvPr>
-        </p:nvSpPr>
-        <p:spPr>
-          <a:xfrm>
-            <a:off x="838200" y="1825625"/>
-            <a:ext cx="3372059" cy="4351338"/>
-          </a:xfrm>
-        </p:spPr>
-        <p:txBody>
-          <a:bodyPr/>
-          <a:lstStyle/>
-          <a:p>
-            <a:r>
-              <a:rPr lang="en-US" dirty="0"/>
-              <a:t>16 x 16 patches are used instead of words</a:t>
-            </a:r>
-          </a:p>
-          <a:p>
-            <a:r>
-              <a:rPr lang="en-US" dirty="0"/>
-              <a:t>A position embedding is also performed</a:t>
-            </a:r>
-          </a:p>
-          <a:p>
-            <a:r>
-              <a:rPr lang="en-US" dirty="0"/>
-              <a:t>Only an encoder architecture is used</a:t>
-            </a:r>
-          </a:p>
-        </p:txBody>
-      </p:sp>
-      <p:sp>
-        <p:nvSpPr>
-          <p:cNvPr id="4" name="Slide Number Placeholder 3"/>
-          <p:cNvSpPr>
-            <a:spLocks noGrp="1"/>
-          </p:cNvSpPr>
-          <p:nvPr>
-            <p:ph type="sldNum" sz="quarter" idx="12"/>
-          </p:nvPr>
-        </p:nvSpPr>
-        <p:spPr/>
-        <p:txBody>
-          <a:bodyPr/>
-          <a:lstStyle/>
-          <a:p>
-            <a:fld id="{17214B29-2612-49B7-BCD5-5B417A3C392C}" type="slidenum">
-              <a:rPr lang="en-US" smtClean="0"/>
-              <a:t>9</a:t>
-            </a:fld>
-            <a:endParaRPr lang="en-US"/>
-          </a:p>
-        </p:txBody>
-      </p:sp>
-      <p:pic>
-        <p:nvPicPr>
-          <p:cNvPr id="7" name="Picture 6"/>
-          <p:cNvPicPr>
-            <a:picLocks noChangeAspect="1"/>
-          </p:cNvPicPr>
-          <p:nvPr/>
-        </p:nvPicPr>
-        <p:blipFill>
-          <a:blip r:embed="rId2"/>
-          <a:stretch>
-            <a:fillRect/>
-          </a:stretch>
-        </p:blipFill>
-        <p:spPr>
-          <a:xfrm>
-            <a:off x="4393491" y="1825625"/>
-            <a:ext cx="7365394" cy="3987155"/>
-          </a:xfrm>
-          <a:prstGeom prst="rect">
-            <a:avLst/>
-          </a:prstGeom>
-        </p:spPr>
-      </p:pic>
-    </p:spTree>
-    <p:extLst>
-      <p:ext uri="{BB962C8B-B14F-4D97-AF65-F5344CB8AC3E}">
-        <p14:creationId xmlns:p14="http://schemas.microsoft.com/office/powerpoint/2010/main" val="2377937035"/>
       </p:ext>
     </p:extLst>
   </p:cSld>
@@ -26370,35 +26052,6 @@
 </file>
 
 <file path=customXml/item1.xml><?xml version="1.0" encoding="utf-8"?>
-<?mso-contentType ?>
-<FormTemplates xmlns="http://schemas.microsoft.com/sharepoint/v3/contenttype/forms">
-  <Display>DocumentLibraryForm</Display>
-  <Edit>DocumentLibraryForm</Edit>
-  <New>DocumentLibraryForm</New>
-</FormTemplates>
-</file>
-
-<file path=customXml/item2.xml><?xml version="1.0" encoding="utf-8"?>
-<p:properties xmlns:p="http://schemas.microsoft.com/office/2006/metadata/properties" xmlns:xsi="http://www.w3.org/2001/XMLSchema-instance" xmlns:pc="http://schemas.microsoft.com/office/infopath/2007/PartnerControls">
-  <documentManagement>
-    <_ip_UnifiedCompliancePolicyUIAction xmlns="http://schemas.microsoft.com/sharepoint/v3" xsi:nil="true"/>
-    <Image xmlns="71af3243-3dd4-4a8d-8c0d-dd76da1f02a5">
-      <Url xsi:nil="true"/>
-      <Description xsi:nil="true"/>
-    </Image>
-    <Status xmlns="71af3243-3dd4-4a8d-8c0d-dd76da1f02a5">Not started</Status>
-    <Background xmlns="71af3243-3dd4-4a8d-8c0d-dd76da1f02a5">false</Background>
-    <_ip_UnifiedCompliancePolicyProperties xmlns="http://schemas.microsoft.com/sharepoint/v3" xsi:nil="true"/>
-    <ImageTagsTaxHTField xmlns="71af3243-3dd4-4a8d-8c0d-dd76da1f02a5">
-      <Terms xmlns="http://schemas.microsoft.com/office/infopath/2007/PartnerControls"/>
-    </ImageTagsTaxHTField>
-    <TaxCatchAll xmlns="230e9df3-be65-4c73-a93b-d1236ebd677e" xsi:nil="true"/>
-    <MediaServiceKeyPoints xmlns="71af3243-3dd4-4a8d-8c0d-dd76da1f02a5" xsi:nil="true"/>
-  </documentManagement>
-</p:properties>
-</file>
-
-<file path=customXml/item3.xml><?xml version="1.0" encoding="utf-8"?>
 <ct:contentTypeSchema xmlns:ct="http://schemas.microsoft.com/office/2006/metadata/contentType" xmlns:ma="http://schemas.microsoft.com/office/2006/metadata/properties/metaAttributes" ct:_="" ma:_="" ma:contentTypeName="Document" ma:contentTypeID="0x01010079F111ED35F8CC479449609E8A0923A6" ma:contentTypeVersion="24" ma:contentTypeDescription="Create a new document." ma:contentTypeScope="" ma:versionID="2d714a3296df14eba7a100bb665443ca">
   <xsd:schema xmlns:xsd="http://www.w3.org/2001/XMLSchema" xmlns:xs="http://www.w3.org/2001/XMLSchema" xmlns:p="http://schemas.microsoft.com/office/2006/metadata/properties" xmlns:ns1="http://schemas.microsoft.com/sharepoint/v3" xmlns:ns2="71af3243-3dd4-4a8d-8c0d-dd76da1f02a5" xmlns:ns3="16c05727-aa75-4e4a-9b5f-8a80a1165891" xmlns:ns4="230e9df3-be65-4c73-a93b-d1236ebd677e" targetNamespace="http://schemas.microsoft.com/office/2006/metadata/properties" ma:root="true" ma:fieldsID="49549bf45bfbbfb6cffed527380e77e1" ns1:_="" ns2:_="" ns3:_="" ns4:_="">
     <xsd:import namespace="http://schemas.microsoft.com/sharepoint/v3"/>
@@ -26686,27 +26339,36 @@
 </ct:contentTypeSchema>
 </file>
 
-<file path=customXml/itemProps1.xml><?xml version="1.0" encoding="utf-8"?>
-<ds:datastoreItem xmlns:ds="http://schemas.openxmlformats.org/officeDocument/2006/customXml" ds:itemID="{6F156100-9533-4411-B0C0-FA18F914F7B6}">
-  <ds:schemaRefs>
-    <ds:schemaRef ds:uri="http://schemas.microsoft.com/sharepoint/v3/contenttype/forms"/>
-  </ds:schemaRefs>
-</ds:datastoreItem>
+<file path=customXml/item2.xml><?xml version="1.0" encoding="utf-8"?>
+<p:properties xmlns:p="http://schemas.microsoft.com/office/2006/metadata/properties" xmlns:xsi="http://www.w3.org/2001/XMLSchema-instance" xmlns:pc="http://schemas.microsoft.com/office/infopath/2007/PartnerControls">
+  <documentManagement>
+    <_ip_UnifiedCompliancePolicyUIAction xmlns="http://schemas.microsoft.com/sharepoint/v3" xsi:nil="true"/>
+    <Image xmlns="71af3243-3dd4-4a8d-8c0d-dd76da1f02a5">
+      <Url xsi:nil="true"/>
+      <Description xsi:nil="true"/>
+    </Image>
+    <Status xmlns="71af3243-3dd4-4a8d-8c0d-dd76da1f02a5">Not started</Status>
+    <Background xmlns="71af3243-3dd4-4a8d-8c0d-dd76da1f02a5">false</Background>
+    <_ip_UnifiedCompliancePolicyProperties xmlns="http://schemas.microsoft.com/sharepoint/v3" xsi:nil="true"/>
+    <ImageTagsTaxHTField xmlns="71af3243-3dd4-4a8d-8c0d-dd76da1f02a5">
+      <Terms xmlns="http://schemas.microsoft.com/office/infopath/2007/PartnerControls"/>
+    </ImageTagsTaxHTField>
+    <TaxCatchAll xmlns="230e9df3-be65-4c73-a93b-d1236ebd677e" xsi:nil="true"/>
+    <MediaServiceKeyPoints xmlns="71af3243-3dd4-4a8d-8c0d-dd76da1f02a5" xsi:nil="true"/>
+  </documentManagement>
+</p:properties>
 </file>
 
-<file path=customXml/itemProps2.xml><?xml version="1.0" encoding="utf-8"?>
-<ds:datastoreItem xmlns:ds="http://schemas.openxmlformats.org/officeDocument/2006/customXml" ds:itemID="{B2C81503-9DEF-42F3-A99B-D5E0223E195B}">
-  <ds:schemaRefs>
-    <ds:schemaRef ds:uri="http://schemas.microsoft.com/office/2006/metadata/properties"/>
-    <ds:schemaRef ds:uri="http://schemas.microsoft.com/office/infopath/2007/PartnerControls"/>
-    <ds:schemaRef ds:uri="http://schemas.microsoft.com/sharepoint/v3"/>
-    <ds:schemaRef ds:uri="71af3243-3dd4-4a8d-8c0d-dd76da1f02a5"/>
-    <ds:schemaRef ds:uri="230e9df3-be65-4c73-a93b-d1236ebd677e"/>
-  </ds:schemaRefs>
-</ds:datastoreItem>
+<file path=customXml/item3.xml><?xml version="1.0" encoding="utf-8"?>
+<?mso-contentType ?>
+<FormTemplates xmlns="http://schemas.microsoft.com/sharepoint/v3/contenttype/forms">
+  <Display>DocumentLibraryForm</Display>
+  <Edit>DocumentLibraryForm</Edit>
+  <New>DocumentLibraryForm</New>
+</FormTemplates>
 </file>
 
-<file path=customXml/itemProps3.xml><?xml version="1.0" encoding="utf-8"?>
+<file path=customXml/itemProps1.xml><?xml version="1.0" encoding="utf-8"?>
 <ds:datastoreItem xmlns:ds="http://schemas.openxmlformats.org/officeDocument/2006/customXml" ds:itemID="{76A4D1D3-B327-4D60-927D-26045FF4AF3C}">
   <ds:schemaRefs>
     <ds:schemaRef ds:uri="http://schemas.microsoft.com/office/2006/metadata/contentType"/>
@@ -26727,6 +26389,26 @@
 </ds:datastoreItem>
 </file>
 
+<file path=customXml/itemProps2.xml><?xml version="1.0" encoding="utf-8"?>
+<ds:datastoreItem xmlns:ds="http://schemas.openxmlformats.org/officeDocument/2006/customXml" ds:itemID="{B2C81503-9DEF-42F3-A99B-D5E0223E195B}">
+  <ds:schemaRefs>
+    <ds:schemaRef ds:uri="http://schemas.microsoft.com/office/2006/metadata/properties"/>
+    <ds:schemaRef ds:uri="http://schemas.microsoft.com/office/infopath/2007/PartnerControls"/>
+    <ds:schemaRef ds:uri="http://schemas.microsoft.com/sharepoint/v3"/>
+    <ds:schemaRef ds:uri="71af3243-3dd4-4a8d-8c0d-dd76da1f02a5"/>
+    <ds:schemaRef ds:uri="230e9df3-be65-4c73-a93b-d1236ebd677e"/>
+  </ds:schemaRefs>
+</ds:datastoreItem>
+</file>
+
+<file path=customXml/itemProps3.xml><?xml version="1.0" encoding="utf-8"?>
+<ds:datastoreItem xmlns:ds="http://schemas.openxmlformats.org/officeDocument/2006/customXml" ds:itemID="{6F156100-9533-4411-B0C0-FA18F914F7B6}">
+  <ds:schemaRefs>
+    <ds:schemaRef ds:uri="http://schemas.microsoft.com/sharepoint/v3/contenttype/forms"/>
+  </ds:schemaRefs>
+</ds:datastoreItem>
+</file>
+
 <file path=docMetadata/LabelInfo.xml><?xml version="1.0" encoding="utf-8"?>
 <clbl:labelList xmlns:clbl="http://schemas.microsoft.com/office/2020/mipLabelMetadata"/>
 </file>